--- a/lecture slides/lecture 8 - stated preference.pptx
+++ b/lecture slides/lecture 8 - stated preference.pptx
@@ -5,36 +5,35 @@
     <p:sldMasterId id="2147483660" r:id="rId1"/>
   </p:sldMasterIdLst>
   <p:notesMasterIdLst>
-    <p:notesMasterId r:id="rId29"/>
+    <p:notesMasterId r:id="rId28"/>
   </p:notesMasterIdLst>
   <p:sldIdLst>
     <p:sldId id="315" r:id="rId2"/>
-    <p:sldId id="483" r:id="rId3"/>
-    <p:sldId id="428" r:id="rId4"/>
-    <p:sldId id="521" r:id="rId5"/>
-    <p:sldId id="522" r:id="rId6"/>
-    <p:sldId id="506" r:id="rId7"/>
-    <p:sldId id="523" r:id="rId8"/>
-    <p:sldId id="524" r:id="rId9"/>
-    <p:sldId id="507" r:id="rId10"/>
-    <p:sldId id="486" r:id="rId11"/>
-    <p:sldId id="508" r:id="rId12"/>
-    <p:sldId id="509" r:id="rId13"/>
-    <p:sldId id="510" r:id="rId14"/>
-    <p:sldId id="511" r:id="rId15"/>
-    <p:sldId id="512" r:id="rId16"/>
-    <p:sldId id="513" r:id="rId17"/>
-    <p:sldId id="514" r:id="rId18"/>
-    <p:sldId id="525" r:id="rId19"/>
-    <p:sldId id="516" r:id="rId20"/>
-    <p:sldId id="515" r:id="rId21"/>
-    <p:sldId id="476" r:id="rId22"/>
-    <p:sldId id="526" r:id="rId23"/>
-    <p:sldId id="517" r:id="rId24"/>
-    <p:sldId id="518" r:id="rId25"/>
-    <p:sldId id="519" r:id="rId26"/>
-    <p:sldId id="520" r:id="rId27"/>
-    <p:sldId id="465" r:id="rId28"/>
+    <p:sldId id="428" r:id="rId3"/>
+    <p:sldId id="521" r:id="rId4"/>
+    <p:sldId id="522" r:id="rId5"/>
+    <p:sldId id="506" r:id="rId6"/>
+    <p:sldId id="523" r:id="rId7"/>
+    <p:sldId id="524" r:id="rId8"/>
+    <p:sldId id="507" r:id="rId9"/>
+    <p:sldId id="486" r:id="rId10"/>
+    <p:sldId id="508" r:id="rId11"/>
+    <p:sldId id="509" r:id="rId12"/>
+    <p:sldId id="510" r:id="rId13"/>
+    <p:sldId id="511" r:id="rId14"/>
+    <p:sldId id="512" r:id="rId15"/>
+    <p:sldId id="513" r:id="rId16"/>
+    <p:sldId id="514" r:id="rId17"/>
+    <p:sldId id="525" r:id="rId18"/>
+    <p:sldId id="516" r:id="rId19"/>
+    <p:sldId id="515" r:id="rId20"/>
+    <p:sldId id="476" r:id="rId21"/>
+    <p:sldId id="526" r:id="rId22"/>
+    <p:sldId id="517" r:id="rId23"/>
+    <p:sldId id="518" r:id="rId24"/>
+    <p:sldId id="519" r:id="rId25"/>
+    <p:sldId id="520" r:id="rId26"/>
+    <p:sldId id="465" r:id="rId27"/>
   </p:sldIdLst>
   <p:sldSz cx="12192000" cy="6858000"/>
   <p:notesSz cx="6858000" cy="9144000"/>
@@ -139,7 +138,6 @@
         <p14:section name="Default Section" id="{B0FEF91F-1E90-493F-958D-5DD030754175}">
           <p14:sldIdLst>
             <p14:sldId id="315"/>
-            <p14:sldId id="483"/>
             <p14:sldId id="428"/>
             <p14:sldId id="521"/>
             <p14:sldId id="522"/>
@@ -5892,7 +5890,7 @@
   <pc:docChgLst>
     <pc:chgData name="Parthum, Bryan" userId="0944d42a-0297-47b7-847f-b5cd4d2f087f" providerId="ADAL" clId="{5C0290E0-B12B-4BD9-B4E8-5F006EF28822}"/>
     <pc:docChg chg="undo custSel addSld delSld modSld sldOrd modMainMaster modSection">
-      <pc:chgData name="Parthum, Bryan" userId="0944d42a-0297-47b7-847f-b5cd4d2f087f" providerId="ADAL" clId="{5C0290E0-B12B-4BD9-B4E8-5F006EF28822}" dt="2022-09-18T21:46:44.722" v="7599" actId="207"/>
+      <pc:chgData name="Parthum, Bryan" userId="0944d42a-0297-47b7-847f-b5cd4d2f087f" providerId="ADAL" clId="{5C0290E0-B12B-4BD9-B4E8-5F006EF28822}" dt="2022-09-20T22:48:53.505" v="7600" actId="47"/>
       <pc:docMkLst>
         <pc:docMk/>
       </pc:docMkLst>
@@ -6084,8 +6082,8 @@
           <pc:sldMk cId="2812324738" sldId="482"/>
         </pc:sldMkLst>
       </pc:sldChg>
-      <pc:sldChg chg="addSp delSp modSp mod ord">
-        <pc:chgData name="Parthum, Bryan" userId="0944d42a-0297-47b7-847f-b5cd4d2f087f" providerId="ADAL" clId="{5C0290E0-B12B-4BD9-B4E8-5F006EF28822}" dt="2022-09-18T19:56:34.945" v="2560" actId="14100"/>
+      <pc:sldChg chg="addSp delSp modSp del mod ord">
+        <pc:chgData name="Parthum, Bryan" userId="0944d42a-0297-47b7-847f-b5cd4d2f087f" providerId="ADAL" clId="{5C0290E0-B12B-4BD9-B4E8-5F006EF28822}" dt="2022-09-20T22:48:53.505" v="7600" actId="47"/>
         <pc:sldMkLst>
           <pc:docMk/>
           <pc:sldMk cId="3349269401" sldId="483"/>
@@ -7014,7 +7012,7 @@
           <a:p>
             <a:fld id="{C6F51268-28D7-4A1D-B6E7-7FC724367079}" type="datetimeFigureOut">
               <a:rPr lang="en-US" smtClean="0"/>
-              <a:t>9/18/2022</a:t>
+              <a:t>9/20/2022</a:t>
             </a:fld>
             <a:endParaRPr lang="en-US"/>
           </a:p>
@@ -7355,7 +7353,7 @@
     </p:spTree>
     <p:extLst>
       <p:ext uri="{BB962C8B-B14F-4D97-AF65-F5344CB8AC3E}">
-        <p14:creationId xmlns:p14="http://schemas.microsoft.com/office/powerpoint/2010/main" val="1974824938"/>
+        <p14:creationId xmlns:p14="http://schemas.microsoft.com/office/powerpoint/2010/main" val="80636752"/>
       </p:ext>
     </p:extLst>
   </p:cSld>
@@ -7439,7 +7437,7 @@
     </p:spTree>
     <p:extLst>
       <p:ext uri="{BB962C8B-B14F-4D97-AF65-F5344CB8AC3E}">
-        <p14:creationId xmlns:p14="http://schemas.microsoft.com/office/powerpoint/2010/main" val="3064364575"/>
+        <p14:creationId xmlns:p14="http://schemas.microsoft.com/office/powerpoint/2010/main" val="1147460690"/>
       </p:ext>
     </p:extLst>
   </p:cSld>
@@ -7523,7 +7521,7 @@
     </p:spTree>
     <p:extLst>
       <p:ext uri="{BB962C8B-B14F-4D97-AF65-F5344CB8AC3E}">
-        <p14:creationId xmlns:p14="http://schemas.microsoft.com/office/powerpoint/2010/main" val="1147460690"/>
+        <p14:creationId xmlns:p14="http://schemas.microsoft.com/office/powerpoint/2010/main" val="817444995"/>
       </p:ext>
     </p:extLst>
   </p:cSld>
@@ -7607,7 +7605,7 @@
     </p:spTree>
     <p:extLst>
       <p:ext uri="{BB962C8B-B14F-4D97-AF65-F5344CB8AC3E}">
-        <p14:creationId xmlns:p14="http://schemas.microsoft.com/office/powerpoint/2010/main" val="817444995"/>
+        <p14:creationId xmlns:p14="http://schemas.microsoft.com/office/powerpoint/2010/main" val="1237783786"/>
       </p:ext>
     </p:extLst>
   </p:cSld>
@@ -7691,7 +7689,7 @@
     </p:spTree>
     <p:extLst>
       <p:ext uri="{BB962C8B-B14F-4D97-AF65-F5344CB8AC3E}">
-        <p14:creationId xmlns:p14="http://schemas.microsoft.com/office/powerpoint/2010/main" val="1237783786"/>
+        <p14:creationId xmlns:p14="http://schemas.microsoft.com/office/powerpoint/2010/main" val="3411559232"/>
       </p:ext>
     </p:extLst>
   </p:cSld>
@@ -7775,7 +7773,7 @@
     </p:spTree>
     <p:extLst>
       <p:ext uri="{BB962C8B-B14F-4D97-AF65-F5344CB8AC3E}">
-        <p14:creationId xmlns:p14="http://schemas.microsoft.com/office/powerpoint/2010/main" val="3411559232"/>
+        <p14:creationId xmlns:p14="http://schemas.microsoft.com/office/powerpoint/2010/main" val="162116640"/>
       </p:ext>
     </p:extLst>
   </p:cSld>
@@ -7859,7 +7857,7 @@
     </p:spTree>
     <p:extLst>
       <p:ext uri="{BB962C8B-B14F-4D97-AF65-F5344CB8AC3E}">
-        <p14:creationId xmlns:p14="http://schemas.microsoft.com/office/powerpoint/2010/main" val="162116640"/>
+        <p14:creationId xmlns:p14="http://schemas.microsoft.com/office/powerpoint/2010/main" val="3365737181"/>
       </p:ext>
     </p:extLst>
   </p:cSld>
@@ -7943,7 +7941,7 @@
     </p:spTree>
     <p:extLst>
       <p:ext uri="{BB962C8B-B14F-4D97-AF65-F5344CB8AC3E}">
-        <p14:creationId xmlns:p14="http://schemas.microsoft.com/office/powerpoint/2010/main" val="3365737181"/>
+        <p14:creationId xmlns:p14="http://schemas.microsoft.com/office/powerpoint/2010/main" val="2366596938"/>
       </p:ext>
     </p:extLst>
   </p:cSld>
@@ -8027,7 +8025,7 @@
     </p:spTree>
     <p:extLst>
       <p:ext uri="{BB962C8B-B14F-4D97-AF65-F5344CB8AC3E}">
-        <p14:creationId xmlns:p14="http://schemas.microsoft.com/office/powerpoint/2010/main" val="2366596938"/>
+        <p14:creationId xmlns:p14="http://schemas.microsoft.com/office/powerpoint/2010/main" val="1762655044"/>
       </p:ext>
     </p:extLst>
   </p:cSld>
@@ -8111,7 +8109,7 @@
     </p:spTree>
     <p:extLst>
       <p:ext uri="{BB962C8B-B14F-4D97-AF65-F5344CB8AC3E}">
-        <p14:creationId xmlns:p14="http://schemas.microsoft.com/office/powerpoint/2010/main" val="1762655044"/>
+        <p14:creationId xmlns:p14="http://schemas.microsoft.com/office/powerpoint/2010/main" val="4154492219"/>
       </p:ext>
     </p:extLst>
   </p:cSld>
@@ -8195,7 +8193,7 @@
     </p:spTree>
     <p:extLst>
       <p:ext uri="{BB962C8B-B14F-4D97-AF65-F5344CB8AC3E}">
-        <p14:creationId xmlns:p14="http://schemas.microsoft.com/office/powerpoint/2010/main" val="4154492219"/>
+        <p14:creationId xmlns:p14="http://schemas.microsoft.com/office/powerpoint/2010/main" val="4164992011"/>
       </p:ext>
     </p:extLst>
   </p:cSld>
@@ -8279,7 +8277,7 @@
     </p:spTree>
     <p:extLst>
       <p:ext uri="{BB962C8B-B14F-4D97-AF65-F5344CB8AC3E}">
-        <p14:creationId xmlns:p14="http://schemas.microsoft.com/office/powerpoint/2010/main" val="80636752"/>
+        <p14:creationId xmlns:p14="http://schemas.microsoft.com/office/powerpoint/2010/main" val="769268782"/>
       </p:ext>
     </p:extLst>
   </p:cSld>
@@ -8363,7 +8361,7 @@
     </p:spTree>
     <p:extLst>
       <p:ext uri="{BB962C8B-B14F-4D97-AF65-F5344CB8AC3E}">
-        <p14:creationId xmlns:p14="http://schemas.microsoft.com/office/powerpoint/2010/main" val="4164992011"/>
+        <p14:creationId xmlns:p14="http://schemas.microsoft.com/office/powerpoint/2010/main" val="102993430"/>
       </p:ext>
     </p:extLst>
   </p:cSld>
@@ -8447,7 +8445,7 @@
     </p:spTree>
     <p:extLst>
       <p:ext uri="{BB962C8B-B14F-4D97-AF65-F5344CB8AC3E}">
-        <p14:creationId xmlns:p14="http://schemas.microsoft.com/office/powerpoint/2010/main" val="102993430"/>
+        <p14:creationId xmlns:p14="http://schemas.microsoft.com/office/powerpoint/2010/main" val="1483180201"/>
       </p:ext>
     </p:extLst>
   </p:cSld>
@@ -8531,7 +8529,7 @@
     </p:spTree>
     <p:extLst>
       <p:ext uri="{BB962C8B-B14F-4D97-AF65-F5344CB8AC3E}">
-        <p14:creationId xmlns:p14="http://schemas.microsoft.com/office/powerpoint/2010/main" val="1483180201"/>
+        <p14:creationId xmlns:p14="http://schemas.microsoft.com/office/powerpoint/2010/main" val="3067100560"/>
       </p:ext>
     </p:extLst>
   </p:cSld>
@@ -8615,7 +8613,7 @@
     </p:spTree>
     <p:extLst>
       <p:ext uri="{BB962C8B-B14F-4D97-AF65-F5344CB8AC3E}">
-        <p14:creationId xmlns:p14="http://schemas.microsoft.com/office/powerpoint/2010/main" val="3067100560"/>
+        <p14:creationId xmlns:p14="http://schemas.microsoft.com/office/powerpoint/2010/main" val="857250503"/>
       </p:ext>
     </p:extLst>
   </p:cSld>
@@ -8699,7 +8697,7 @@
     </p:spTree>
     <p:extLst>
       <p:ext uri="{BB962C8B-B14F-4D97-AF65-F5344CB8AC3E}">
-        <p14:creationId xmlns:p14="http://schemas.microsoft.com/office/powerpoint/2010/main" val="857250503"/>
+        <p14:creationId xmlns:p14="http://schemas.microsoft.com/office/powerpoint/2010/main" val="2339411639"/>
       </p:ext>
     </p:extLst>
   </p:cSld>
@@ -8775,90 +8773,6 @@
             <a:fld id="{AB5CB739-FC4C-4CC2-B8DD-75C8DB48E189}" type="slidenum">
               <a:rPr lang="en-US" smtClean="0"/>
               <a:t>26</a:t>
-            </a:fld>
-            <a:endParaRPr lang="en-US"/>
-          </a:p>
-        </p:txBody>
-      </p:sp>
-    </p:spTree>
-    <p:extLst>
-      <p:ext uri="{BB962C8B-B14F-4D97-AF65-F5344CB8AC3E}">
-        <p14:creationId xmlns:p14="http://schemas.microsoft.com/office/powerpoint/2010/main" val="2339411639"/>
-      </p:ext>
-    </p:extLst>
-  </p:cSld>
-  <p:clrMapOvr>
-    <a:masterClrMapping/>
-  </p:clrMapOvr>
-</p:notes>
-</file>
-
-<file path=ppt/notesSlides/notesSlide26.xml><?xml version="1.0" encoding="utf-8"?>
-<p:notes xmlns:a="http://schemas.openxmlformats.org/drawingml/2006/main" xmlns:r="http://schemas.openxmlformats.org/officeDocument/2006/relationships" xmlns:p="http://schemas.openxmlformats.org/presentationml/2006/main">
-  <p:cSld>
-    <p:spTree>
-      <p:nvGrpSpPr>
-        <p:cNvPr id="1" name=""/>
-        <p:cNvGrpSpPr/>
-        <p:nvPr/>
-      </p:nvGrpSpPr>
-      <p:grpSpPr>
-        <a:xfrm>
-          <a:off x="0" y="0"/>
-          <a:ext cx="0" cy="0"/>
-          <a:chOff x="0" y="0"/>
-          <a:chExt cx="0" cy="0"/>
-        </a:xfrm>
-      </p:grpSpPr>
-      <p:sp>
-        <p:nvSpPr>
-          <p:cNvPr id="2" name="Slide Image Placeholder 1"/>
-          <p:cNvSpPr>
-            <a:spLocks noGrp="1" noRot="1" noChangeAspect="1"/>
-          </p:cNvSpPr>
-          <p:nvPr>
-            <p:ph type="sldImg"/>
-          </p:nvPr>
-        </p:nvSpPr>
-        <p:spPr/>
-      </p:sp>
-      <p:sp>
-        <p:nvSpPr>
-          <p:cNvPr id="3" name="Notes Placeholder 2"/>
-          <p:cNvSpPr>
-            <a:spLocks noGrp="1"/>
-          </p:cNvSpPr>
-          <p:nvPr>
-            <p:ph type="body" idx="1"/>
-          </p:nvPr>
-        </p:nvSpPr>
-        <p:spPr/>
-        <p:txBody>
-          <a:bodyPr/>
-          <a:lstStyle/>
-          <a:p>
-            <a:endParaRPr lang="en-US" dirty="0"/>
-          </a:p>
-        </p:txBody>
-      </p:sp>
-      <p:sp>
-        <p:nvSpPr>
-          <p:cNvPr id="4" name="Slide Number Placeholder 3"/>
-          <p:cNvSpPr>
-            <a:spLocks noGrp="1"/>
-          </p:cNvSpPr>
-          <p:nvPr>
-            <p:ph type="sldNum" sz="quarter" idx="10"/>
-          </p:nvPr>
-        </p:nvSpPr>
-        <p:spPr/>
-        <p:txBody>
-          <a:bodyPr/>
-          <a:lstStyle/>
-          <a:p>
-            <a:fld id="{AB5CB739-FC4C-4CC2-B8DD-75C8DB48E189}" type="slidenum">
-              <a:rPr lang="en-US" smtClean="0"/>
-              <a:t>27</a:t>
             </a:fld>
             <a:endParaRPr lang="en-US"/>
           </a:p>
@@ -8951,7 +8865,7 @@
     </p:spTree>
     <p:extLst>
       <p:ext uri="{BB962C8B-B14F-4D97-AF65-F5344CB8AC3E}">
-        <p14:creationId xmlns:p14="http://schemas.microsoft.com/office/powerpoint/2010/main" val="769268782"/>
+        <p14:creationId xmlns:p14="http://schemas.microsoft.com/office/powerpoint/2010/main" val="2966456040"/>
       </p:ext>
     </p:extLst>
   </p:cSld>
@@ -9035,7 +8949,7 @@
     </p:spTree>
     <p:extLst>
       <p:ext uri="{BB962C8B-B14F-4D97-AF65-F5344CB8AC3E}">
-        <p14:creationId xmlns:p14="http://schemas.microsoft.com/office/powerpoint/2010/main" val="2966456040"/>
+        <p14:creationId xmlns:p14="http://schemas.microsoft.com/office/powerpoint/2010/main" val="62959920"/>
       </p:ext>
     </p:extLst>
   </p:cSld>
@@ -9119,7 +9033,7 @@
     </p:spTree>
     <p:extLst>
       <p:ext uri="{BB962C8B-B14F-4D97-AF65-F5344CB8AC3E}">
-        <p14:creationId xmlns:p14="http://schemas.microsoft.com/office/powerpoint/2010/main" val="62959920"/>
+        <p14:creationId xmlns:p14="http://schemas.microsoft.com/office/powerpoint/2010/main" val="1423537190"/>
       </p:ext>
     </p:extLst>
   </p:cSld>
@@ -9203,7 +9117,7 @@
     </p:spTree>
     <p:extLst>
       <p:ext uri="{BB962C8B-B14F-4D97-AF65-F5344CB8AC3E}">
-        <p14:creationId xmlns:p14="http://schemas.microsoft.com/office/powerpoint/2010/main" val="1423537190"/>
+        <p14:creationId xmlns:p14="http://schemas.microsoft.com/office/powerpoint/2010/main" val="3956890156"/>
       </p:ext>
     </p:extLst>
   </p:cSld>
@@ -9287,7 +9201,7 @@
     </p:spTree>
     <p:extLst>
       <p:ext uri="{BB962C8B-B14F-4D97-AF65-F5344CB8AC3E}">
-        <p14:creationId xmlns:p14="http://schemas.microsoft.com/office/powerpoint/2010/main" val="3956890156"/>
+        <p14:creationId xmlns:p14="http://schemas.microsoft.com/office/powerpoint/2010/main" val="783408189"/>
       </p:ext>
     </p:extLst>
   </p:cSld>
@@ -9371,7 +9285,7 @@
     </p:spTree>
     <p:extLst>
       <p:ext uri="{BB962C8B-B14F-4D97-AF65-F5344CB8AC3E}">
-        <p14:creationId xmlns:p14="http://schemas.microsoft.com/office/powerpoint/2010/main" val="783408189"/>
+        <p14:creationId xmlns:p14="http://schemas.microsoft.com/office/powerpoint/2010/main" val="1385271162"/>
       </p:ext>
     </p:extLst>
   </p:cSld>
@@ -9455,7 +9369,7 @@
     </p:spTree>
     <p:extLst>
       <p:ext uri="{BB962C8B-B14F-4D97-AF65-F5344CB8AC3E}">
-        <p14:creationId xmlns:p14="http://schemas.microsoft.com/office/powerpoint/2010/main" val="1385271162"/>
+        <p14:creationId xmlns:p14="http://schemas.microsoft.com/office/powerpoint/2010/main" val="3064364575"/>
       </p:ext>
     </p:extLst>
   </p:cSld>
@@ -10986,11 +10900,38 @@
             <a:pPr lvl="1"/>
             <a:r>
               <a:rPr lang="en-US" sz="2400" dirty="0">
+                <a:solidFill>
+                  <a:schemeClr val="bg1">
+                    <a:lumMod val="75000"/>
+                  </a:schemeClr>
+                </a:solidFill>
                 <a:latin typeface="+mj-lt"/>
               </a:rPr>
-              <a:t>Abstract: Improvements in local surface water quality in the Mississippi River Basin (MRB) can contribute to the regional environmental goals of reducing hypoxia in the Gulf of Mexico. To inform estimates of the benefits of water quality policy, we use a choice experiment survey in a typical sub-watershed of the MRB to estimate willingness to pay for local environmental improvements and helping to reduce hypoxia far downstream. We find that residents place large values on reduced local algal blooms, improved local fish populations and diversity, and meeting local commitments to help with the regional environmental problem.</a:t>
+              <a:t>Abstract: </a:t>
+            </a:r>
+            <a:r>
+              <a:rPr lang="en-US" sz="2400" dirty="0">
+                <a:latin typeface="+mj-lt"/>
+              </a:rPr>
+              <a:t>Improvements in local surface water quality in the Mississippi River Basin (MRB) can contribute to the regional environmental goals of reducing hypoxia in the Gulf of Mexico. </a:t>
+            </a:r>
+            <a:r>
+              <a:rPr lang="en-US" sz="2400" dirty="0">
+                <a:solidFill>
+                  <a:schemeClr val="bg1">
+                    <a:lumMod val="75000"/>
+                  </a:schemeClr>
+                </a:solidFill>
+                <a:latin typeface="+mj-lt"/>
+              </a:rPr>
+              <a:t>To inform estimates of the benefits of water quality policy, we use a choice experiment survey in a typical sub-watershed of the MRB to estimate willingness to pay for local environmental improvements and helping to reduce hypoxia far downstream. We find that residents place large values on reduced local algal blooms, improved local fish populations and diversity, and meeting local commitments to help with the regional environmental problem.</a:t>
             </a:r>
             <a:endParaRPr lang="en-US" sz="2400" b="1" dirty="0">
+              <a:solidFill>
+                <a:schemeClr val="bg1">
+                  <a:lumMod val="75000"/>
+                </a:schemeClr>
+              </a:solidFill>
               <a:latin typeface="+mj-lt"/>
               <a:cs typeface="Calibri Light" panose="020F0302020204030204" pitchFamily="34" charset="0"/>
             </a:endParaRPr>
@@ -11105,7 +11046,7 @@
     </p:custDataLst>
     <p:extLst>
       <p:ext uri="{BB962C8B-B14F-4D97-AF65-F5344CB8AC3E}">
-        <p14:creationId xmlns:p14="http://schemas.microsoft.com/office/powerpoint/2010/main" val="1108367847"/>
+        <p14:creationId xmlns:p14="http://schemas.microsoft.com/office/powerpoint/2010/main" val="916039817"/>
       </p:ext>
     </p:extLst>
   </p:cSld>
@@ -11171,13 +11112,13 @@
                 </a:solidFill>
                 <a:latin typeface="+mj-lt"/>
               </a:rPr>
-              <a:t>Abstract: </a:t>
+              <a:t>Abstract: Improvements in local surface water quality in the Mississippi River Basin (MRB) can contribute to the regional environmental goals of reducing hypoxia in the Gulf of Mexico. </a:t>
             </a:r>
             <a:r>
               <a:rPr lang="en-US" sz="2400" dirty="0">
                 <a:latin typeface="+mj-lt"/>
               </a:rPr>
-              <a:t>Improvements in local surface water quality in the Mississippi River Basin (MRB) can contribute to the regional environmental goals of reducing hypoxia in the Gulf of Mexico. </a:t>
+              <a:t>To inform estimates of the benefits of water quality policy, we use a choice experiment survey in a typical sub-watershed of the MRB to estimate willingness to pay for local environmental improvements and helping to reduce hypoxia far downstream. </a:t>
             </a:r>
             <a:r>
               <a:rPr lang="en-US" sz="2400" dirty="0">
@@ -11188,7 +11129,7 @@
                 </a:solidFill>
                 <a:latin typeface="+mj-lt"/>
               </a:rPr>
-              <a:t>To inform estimates of the benefits of water quality policy, we use a choice experiment survey in a typical sub-watershed of the MRB to estimate willingness to pay for local environmental improvements and helping to reduce hypoxia far downstream. We find that residents place large values on reduced local algal blooms, improved local fish populations and diversity, and meeting local commitments to help with the regional environmental problem.</a:t>
+              <a:t>We find that residents place large values on reduced local algal blooms, improved local fish populations and diversity, and meeting local commitments to help with the regional environmental problem.</a:t>
             </a:r>
             <a:endParaRPr lang="en-US" sz="2400" b="1" dirty="0">
               <a:solidFill>
@@ -11310,7 +11251,7 @@
     </p:custDataLst>
     <p:extLst>
       <p:ext uri="{BB962C8B-B14F-4D97-AF65-F5344CB8AC3E}">
-        <p14:creationId xmlns:p14="http://schemas.microsoft.com/office/powerpoint/2010/main" val="916039817"/>
+        <p14:creationId xmlns:p14="http://schemas.microsoft.com/office/powerpoint/2010/main" val="1308457781"/>
       </p:ext>
     </p:extLst>
   </p:cSld>
@@ -11376,31 +11317,15 @@
                 </a:solidFill>
                 <a:latin typeface="+mj-lt"/>
               </a:rPr>
-              <a:t>Abstract: Improvements in local surface water quality in the Mississippi River Basin (MRB) can contribute to the regional environmental goals of reducing hypoxia in the Gulf of Mexico. </a:t>
+              <a:t>Abstract: Improvements in local surface water quality in the Mississippi River Basin (MRB) can contribute to the regional environmental goals of reducing hypoxia in the Gulf of Mexico. To inform estimates of the benefits of water quality policy, we use a choice experiment survey in a typical sub-watershed of the MRB to estimate willingness to pay for local environmental improvements and helping to reduce hypoxia far downstream. We find that </a:t>
             </a:r>
             <a:r>
               <a:rPr lang="en-US" sz="2400" dirty="0">
                 <a:latin typeface="+mj-lt"/>
               </a:rPr>
-              <a:t>To inform estimates of the benefits of water quality policy, we use a choice experiment survey in a typical sub-watershed of the MRB to estimate willingness to pay for local environmental improvements and helping to reduce hypoxia far downstream. </a:t>
-            </a:r>
-            <a:r>
-              <a:rPr lang="en-US" sz="2400" dirty="0">
-                <a:solidFill>
-                  <a:schemeClr val="bg1">
-                    <a:lumMod val="75000"/>
-                  </a:schemeClr>
-                </a:solidFill>
-                <a:latin typeface="+mj-lt"/>
-              </a:rPr>
-              <a:t>We find that residents place large values on reduced local algal blooms, improved local fish populations and diversity, and meeting local commitments to help with the regional environmental problem.</a:t>
+              <a:t>residents place large values on reduced local algal blooms, improved local fish populations and diversity, and meeting local commitments to help with the regional environmental problem.</a:t>
             </a:r>
             <a:endParaRPr lang="en-US" sz="2400" b="1" dirty="0">
-              <a:solidFill>
-                <a:schemeClr val="bg1">
-                  <a:lumMod val="75000"/>
-                </a:schemeClr>
-              </a:solidFill>
               <a:latin typeface="+mj-lt"/>
               <a:cs typeface="Calibri Light" panose="020F0302020204030204" pitchFamily="34" charset="0"/>
             </a:endParaRPr>
@@ -11515,7 +11440,7 @@
     </p:custDataLst>
     <p:extLst>
       <p:ext uri="{BB962C8B-B14F-4D97-AF65-F5344CB8AC3E}">
-        <p14:creationId xmlns:p14="http://schemas.microsoft.com/office/powerpoint/2010/main" val="1308457781"/>
+        <p14:creationId xmlns:p14="http://schemas.microsoft.com/office/powerpoint/2010/main" val="2780977908"/>
       </p:ext>
     </p:extLst>
   </p:cSld>
@@ -11526,195 +11451,6 @@
 </file>
 
 <file path=ppt/slides/slide13.xml><?xml version="1.0" encoding="utf-8"?>
-<p:sld xmlns:a="http://schemas.openxmlformats.org/drawingml/2006/main" xmlns:r="http://schemas.openxmlformats.org/officeDocument/2006/relationships" xmlns:p="http://schemas.openxmlformats.org/presentationml/2006/main">
-  <p:cSld>
-    <p:spTree>
-      <p:nvGrpSpPr>
-        <p:cNvPr id="1" name=""/>
-        <p:cNvGrpSpPr/>
-        <p:nvPr/>
-      </p:nvGrpSpPr>
-      <p:grpSpPr>
-        <a:xfrm>
-          <a:off x="0" y="0"/>
-          <a:ext cx="0" cy="0"/>
-          <a:chOff x="0" y="0"/>
-          <a:chExt cx="0" cy="0"/>
-        </a:xfrm>
-      </p:grpSpPr>
-      <p:sp>
-        <p:nvSpPr>
-          <p:cNvPr id="10" name="TextBox 9">
-            <a:extLst>
-              <a:ext uri="{FF2B5EF4-FFF2-40B4-BE49-F238E27FC236}">
-                <a16:creationId xmlns:a16="http://schemas.microsoft.com/office/drawing/2014/main" id="{E863E88C-22ED-47CC-B17C-6B97A3611646}"/>
-              </a:ext>
-            </a:extLst>
-          </p:cNvPr>
-          <p:cNvSpPr txBox="1"/>
-          <p:nvPr/>
-        </p:nvSpPr>
-        <p:spPr>
-          <a:xfrm>
-            <a:off x="591340" y="2043784"/>
-            <a:ext cx="11009309" cy="3046988"/>
-          </a:xfrm>
-          <a:prstGeom prst="rect">
-            <a:avLst/>
-          </a:prstGeom>
-          <a:noFill/>
-          <a:effectLst/>
-        </p:spPr>
-        <p:txBody>
-          <a:bodyPr wrap="square" rtlCol="0">
-            <a:spAutoFit/>
-          </a:bodyPr>
-          <a:lstStyle/>
-          <a:p>
-            <a:pPr lvl="1"/>
-            <a:r>
-              <a:rPr lang="en-US" sz="2400" dirty="0">
-                <a:solidFill>
-                  <a:schemeClr val="bg1">
-                    <a:lumMod val="75000"/>
-                  </a:schemeClr>
-                </a:solidFill>
-                <a:latin typeface="+mj-lt"/>
-              </a:rPr>
-              <a:t>Abstract: Improvements in local surface water quality in the Mississippi River Basin (MRB) can contribute to the regional environmental goals of reducing hypoxia in the Gulf of Mexico. To inform estimates of the benefits of water quality policy, we use a choice experiment survey in a typical sub-watershed of the MRB to estimate willingness to pay for local environmental improvements and helping to reduce hypoxia far downstream. We find that </a:t>
-            </a:r>
-            <a:r>
-              <a:rPr lang="en-US" sz="2400" dirty="0">
-                <a:latin typeface="+mj-lt"/>
-              </a:rPr>
-              <a:t>residents place large values on reduced local algal blooms, improved local fish populations and diversity, and meeting local commitments to help with the regional environmental problem.</a:t>
-            </a:r>
-            <a:endParaRPr lang="en-US" sz="2400" b="1" dirty="0">
-              <a:latin typeface="+mj-lt"/>
-              <a:cs typeface="Calibri Light" panose="020F0302020204030204" pitchFamily="34" charset="0"/>
-            </a:endParaRPr>
-          </a:p>
-        </p:txBody>
-      </p:sp>
-      <p:sp>
-        <p:nvSpPr>
-          <p:cNvPr id="6" name="Title 2">
-            <a:extLst>
-              <a:ext uri="{FF2B5EF4-FFF2-40B4-BE49-F238E27FC236}">
-                <a16:creationId xmlns:a16="http://schemas.microsoft.com/office/drawing/2014/main" id="{62886FA5-F147-476F-962C-F8F29C058435}"/>
-              </a:ext>
-            </a:extLst>
-          </p:cNvPr>
-          <p:cNvSpPr txBox="1">
-            <a:spLocks/>
-          </p:cNvSpPr>
-          <p:nvPr/>
-        </p:nvSpPr>
-        <p:spPr>
-          <a:xfrm>
-            <a:off x="768585" y="438753"/>
-            <a:ext cx="10654818" cy="749508"/>
-          </a:xfrm>
-          <a:prstGeom prst="rect">
-            <a:avLst/>
-          </a:prstGeom>
-        </p:spPr>
-        <p:txBody>
-          <a:bodyPr vert="horz" lIns="91440" tIns="45720" rIns="91440" bIns="45720" rtlCol="0" anchor="b">
-            <a:noAutofit/>
-          </a:bodyPr>
-          <a:lstStyle>
-            <a:lvl1pPr algn="l" defTabSz="914400" rtl="0" eaLnBrk="1" latinLnBrk="0" hangingPunct="1">
-              <a:lnSpc>
-                <a:spcPct val="85000"/>
-              </a:lnSpc>
-              <a:spcBef>
-                <a:spcPct val="0"/>
-              </a:spcBef>
-              <a:buNone/>
-              <a:defRPr sz="2400" kern="1200" spc="-50" baseline="0">
-                <a:solidFill>
-                  <a:schemeClr val="tx1">
-                    <a:lumMod val="75000"/>
-                    <a:lumOff val="25000"/>
-                  </a:schemeClr>
-                </a:solidFill>
-                <a:latin typeface="Times New Roman" panose="02020603050405020304" pitchFamily="18" charset="0"/>
-                <a:ea typeface="+mj-ea"/>
-                <a:cs typeface="Times New Roman" panose="02020603050405020304" pitchFamily="18" charset="0"/>
-              </a:defRPr>
-            </a:lvl1pPr>
-          </a:lstStyle>
-          <a:p>
-            <a:pPr algn="ctr">
-              <a:lnSpc>
-                <a:spcPct val="100000"/>
-              </a:lnSpc>
-            </a:pPr>
-            <a:r>
-              <a:rPr lang="en-US" dirty="0">
-                <a:solidFill>
-                  <a:schemeClr val="tx1"/>
-                </a:solidFill>
-                <a:latin typeface="+mj-lt"/>
-              </a:rPr>
-              <a:t>Overlooked Benefits of Nutrient Reductions in the Mississippi River Basin (</a:t>
-            </a:r>
-            <a:r>
-              <a:rPr lang="en-US" dirty="0">
-                <a:solidFill>
-                  <a:schemeClr val="tx1"/>
-                </a:solidFill>
-                <a:latin typeface="+mj-lt"/>
-                <a:hlinkClick r:id="rId4"/>
-              </a:rPr>
-              <a:t>here</a:t>
-            </a:r>
-            <a:r>
-              <a:rPr lang="en-US" dirty="0">
-                <a:solidFill>
-                  <a:schemeClr val="tx1"/>
-                </a:solidFill>
-                <a:latin typeface="+mj-lt"/>
-              </a:rPr>
-              <a:t>)</a:t>
-            </a:r>
-          </a:p>
-          <a:p>
-            <a:pPr algn="ctr">
-              <a:lnSpc>
-                <a:spcPct val="100000"/>
-              </a:lnSpc>
-            </a:pPr>
-            <a:r>
-              <a:rPr lang="en-US" dirty="0">
-                <a:solidFill>
-                  <a:schemeClr val="tx1"/>
-                </a:solidFill>
-                <a:latin typeface="+mj-lt"/>
-              </a:rPr>
-              <a:t>By: Parthum and Ando (2020)</a:t>
-            </a:r>
-          </a:p>
-        </p:txBody>
-      </p:sp>
-    </p:spTree>
-    <p:custDataLst>
-      <p:tags r:id="rId1"/>
-    </p:custDataLst>
-    <p:extLst>
-      <p:ext uri="{BB962C8B-B14F-4D97-AF65-F5344CB8AC3E}">
-        <p14:creationId xmlns:p14="http://schemas.microsoft.com/office/powerpoint/2010/main" val="2780977908"/>
-      </p:ext>
-    </p:extLst>
-  </p:cSld>
-  <p:clrMapOvr>
-    <a:masterClrMapping/>
-  </p:clrMapOvr>
-</p:sld>
-</file>
-
-<file path=ppt/slides/slide14.xml><?xml version="1.0" encoding="utf-8"?>
 <p:sld xmlns:a="http://schemas.openxmlformats.org/drawingml/2006/main" xmlns:r="http://schemas.openxmlformats.org/officeDocument/2006/relationships" xmlns:p="http://schemas.openxmlformats.org/presentationml/2006/main">
   <p:cSld>
     <p:spTree>
@@ -11963,7 +11699,7 @@
 </p:sld>
 </file>
 
-<file path=ppt/slides/slide15.xml><?xml version="1.0" encoding="utf-8"?>
+<file path=ppt/slides/slide14.xml><?xml version="1.0" encoding="utf-8"?>
 <p:sld xmlns:a="http://schemas.openxmlformats.org/drawingml/2006/main" xmlns:r="http://schemas.openxmlformats.org/officeDocument/2006/relationships" xmlns:p="http://schemas.openxmlformats.org/presentationml/2006/main">
   <p:cSld>
     <p:spTree>
@@ -12206,7 +11942,7 @@
 </p:sld>
 </file>
 
-<file path=ppt/slides/slide16.xml><?xml version="1.0" encoding="utf-8"?>
+<file path=ppt/slides/slide15.xml><?xml version="1.0" encoding="utf-8"?>
 <p:sld xmlns:a="http://schemas.openxmlformats.org/drawingml/2006/main" xmlns:r="http://schemas.openxmlformats.org/officeDocument/2006/relationships" xmlns:p="http://schemas.openxmlformats.org/presentationml/2006/main">
   <p:cSld>
     <p:spTree>
@@ -12451,6 +12187,224 @@
     <p:extLst>
       <p:ext uri="{BB962C8B-B14F-4D97-AF65-F5344CB8AC3E}">
         <p14:creationId xmlns:p14="http://schemas.microsoft.com/office/powerpoint/2010/main" val="1892112568"/>
+      </p:ext>
+    </p:extLst>
+  </p:cSld>
+  <p:clrMapOvr>
+    <a:masterClrMapping/>
+  </p:clrMapOvr>
+</p:sld>
+</file>
+
+<file path=ppt/slides/slide16.xml><?xml version="1.0" encoding="utf-8"?>
+<p:sld xmlns:a="http://schemas.openxmlformats.org/drawingml/2006/main" xmlns:r="http://schemas.openxmlformats.org/officeDocument/2006/relationships" xmlns:p="http://schemas.openxmlformats.org/presentationml/2006/main">
+  <p:cSld>
+    <p:spTree>
+      <p:nvGrpSpPr>
+        <p:cNvPr id="1" name=""/>
+        <p:cNvGrpSpPr/>
+        <p:nvPr/>
+      </p:nvGrpSpPr>
+      <p:grpSpPr>
+        <a:xfrm>
+          <a:off x="0" y="0"/>
+          <a:ext cx="0" cy="0"/>
+          <a:chOff x="0" y="0"/>
+          <a:chExt cx="0" cy="0"/>
+        </a:xfrm>
+      </p:grpSpPr>
+      <p:sp>
+        <p:nvSpPr>
+          <p:cNvPr id="6" name="Title 2">
+            <a:extLst>
+              <a:ext uri="{FF2B5EF4-FFF2-40B4-BE49-F238E27FC236}">
+                <a16:creationId xmlns:a16="http://schemas.microsoft.com/office/drawing/2014/main" id="{62886FA5-F147-476F-962C-F8F29C058435}"/>
+              </a:ext>
+            </a:extLst>
+          </p:cNvPr>
+          <p:cNvSpPr txBox="1">
+            <a:spLocks/>
+          </p:cNvSpPr>
+          <p:nvPr/>
+        </p:nvSpPr>
+        <p:spPr>
+          <a:xfrm>
+            <a:off x="768589" y="0"/>
+            <a:ext cx="10654818" cy="749508"/>
+          </a:xfrm>
+          <a:prstGeom prst="rect">
+            <a:avLst/>
+          </a:prstGeom>
+        </p:spPr>
+        <p:txBody>
+          <a:bodyPr vert="horz" lIns="91440" tIns="45720" rIns="91440" bIns="45720" rtlCol="0" anchor="b">
+            <a:noAutofit/>
+          </a:bodyPr>
+          <a:lstStyle>
+            <a:lvl1pPr algn="l" defTabSz="914400" rtl="0" eaLnBrk="1" latinLnBrk="0" hangingPunct="1">
+              <a:lnSpc>
+                <a:spcPct val="85000"/>
+              </a:lnSpc>
+              <a:spcBef>
+                <a:spcPct val="0"/>
+              </a:spcBef>
+              <a:buNone/>
+              <a:defRPr sz="2400" kern="1200" spc="-50" baseline="0">
+                <a:solidFill>
+                  <a:schemeClr val="tx1">
+                    <a:lumMod val="75000"/>
+                    <a:lumOff val="25000"/>
+                  </a:schemeClr>
+                </a:solidFill>
+                <a:latin typeface="Times New Roman" panose="02020603050405020304" pitchFamily="18" charset="0"/>
+                <a:ea typeface="+mj-ea"/>
+                <a:cs typeface="Times New Roman" panose="02020603050405020304" pitchFamily="18" charset="0"/>
+              </a:defRPr>
+            </a:lvl1pPr>
+          </a:lstStyle>
+          <a:p>
+            <a:pPr algn="ctr">
+              <a:lnSpc>
+                <a:spcPct val="100000"/>
+              </a:lnSpc>
+            </a:pPr>
+            <a:r>
+              <a:rPr lang="en-US" sz="2800" dirty="0">
+                <a:solidFill>
+                  <a:schemeClr val="tx1"/>
+                </a:solidFill>
+                <a:latin typeface="+mj-lt"/>
+              </a:rPr>
+              <a:t>Concern: Internal Validity</a:t>
+            </a:r>
+          </a:p>
+        </p:txBody>
+      </p:sp>
+      <p:sp>
+        <p:nvSpPr>
+          <p:cNvPr id="7" name="TextBox 6">
+            <a:extLst>
+              <a:ext uri="{FF2B5EF4-FFF2-40B4-BE49-F238E27FC236}">
+                <a16:creationId xmlns:a16="http://schemas.microsoft.com/office/drawing/2014/main" id="{866A50C4-8938-4D71-8FD1-7DF4E3657532}"/>
+              </a:ext>
+            </a:extLst>
+          </p:cNvPr>
+          <p:cNvSpPr txBox="1"/>
+          <p:nvPr/>
+        </p:nvSpPr>
+        <p:spPr>
+          <a:xfrm>
+            <a:off x="1126432" y="898594"/>
+            <a:ext cx="9939131" cy="5632311"/>
+          </a:xfrm>
+          <a:prstGeom prst="rect">
+            <a:avLst/>
+          </a:prstGeom>
+          <a:noFill/>
+        </p:spPr>
+        <p:txBody>
+          <a:bodyPr wrap="square">
+            <a:spAutoFit/>
+          </a:bodyPr>
+          <a:lstStyle/>
+          <a:p>
+            <a:pPr marL="342900" indent="-342900">
+              <a:buFont typeface="Arial" panose="020B0604020202020204" pitchFamily="34" charset="0"/>
+              <a:buChar char="•"/>
+            </a:pPr>
+            <a:r>
+              <a:rPr lang="en-US" sz="2000" dirty="0">
+                <a:latin typeface="+mj-lt"/>
+              </a:rPr>
+              <a:t>A common criticism of stated preference research involves the internal validity of the survey responses. After all, people are simply stating what they will choose, not actually buying. </a:t>
+            </a:r>
+          </a:p>
+          <a:p>
+            <a:endParaRPr lang="en-US" sz="2000" dirty="0">
+              <a:latin typeface="+mj-lt"/>
+            </a:endParaRPr>
+          </a:p>
+          <a:p>
+            <a:pPr marL="914400" lvl="1" indent="-457200">
+              <a:buFont typeface="+mj-lt"/>
+              <a:buAutoNum type="arabicPeriod"/>
+            </a:pPr>
+            <a:r>
+              <a:rPr lang="en-US" sz="2000" dirty="0">
+                <a:latin typeface="+mj-lt"/>
+              </a:rPr>
+              <a:t>“Cheap talk” script, or the “please try hard and please be honest” script</a:t>
+            </a:r>
+          </a:p>
+          <a:p>
+            <a:pPr lvl="3"/>
+            <a:endParaRPr lang="en-US" sz="2000" dirty="0">
+              <a:latin typeface="+mj-lt"/>
+            </a:endParaRPr>
+          </a:p>
+          <a:p>
+            <a:pPr lvl="3"/>
+            <a:r>
+              <a:rPr lang="en-US" sz="2000" dirty="0">
+                <a:latin typeface="+mj-lt"/>
+              </a:rPr>
+              <a:t>“Experience from previous similar surveys is that people often say they would be willing to pay more money for something than they actually would. For example, in one study, 80% of people said they would buy a product, but when a store actually stocked the product, only 43% of people actually bought the new product. It is important that you make each of your upcoming selections like you would if you were actually facing these exact choices in reality. Note that paying for environmental improvement means you would have less money available for other purchases.”</a:t>
+            </a:r>
+          </a:p>
+          <a:p>
+            <a:pPr marL="914400" lvl="1" indent="-457200">
+              <a:buFont typeface="+mj-lt"/>
+              <a:buAutoNum type="arabicPeriod"/>
+            </a:pPr>
+            <a:endParaRPr lang="en-US" sz="2000" dirty="0">
+              <a:latin typeface="+mj-lt"/>
+            </a:endParaRPr>
+          </a:p>
+          <a:p>
+            <a:pPr marL="914400" lvl="1" indent="-457200">
+              <a:buFont typeface="+mj-lt"/>
+              <a:buAutoNum type="arabicPeriod"/>
+            </a:pPr>
+            <a:r>
+              <a:rPr lang="en-US" sz="2000" dirty="0">
+                <a:solidFill>
+                  <a:schemeClr val="bg1"/>
+                </a:solidFill>
+                <a:latin typeface="+mj-lt"/>
+              </a:rPr>
+              <a:t>Certainty follow-up questions:</a:t>
+            </a:r>
+          </a:p>
+          <a:p>
+            <a:pPr lvl="3"/>
+            <a:r>
+              <a:rPr lang="en-US" sz="2000" dirty="0">
+                <a:solidFill>
+                  <a:schemeClr val="bg1"/>
+                </a:solidFill>
+                <a:latin typeface="+mj-lt"/>
+              </a:rPr>
+              <a:t>“How confident are you in your answer?” With the range: “0 - not at all confident”; “1- somewhat confident”; and “2 - very confident.”</a:t>
+            </a:r>
+          </a:p>
+          <a:p>
+            <a:pPr marL="914400" lvl="1" indent="-457200">
+              <a:buFont typeface="+mj-lt"/>
+              <a:buAutoNum type="arabicPeriod"/>
+            </a:pPr>
+            <a:endParaRPr lang="en-US" sz="2000" dirty="0">
+              <a:latin typeface="+mj-lt"/>
+            </a:endParaRPr>
+          </a:p>
+        </p:txBody>
+      </p:sp>
+    </p:spTree>
+    <p:custDataLst>
+      <p:tags r:id="rId1"/>
+    </p:custDataLst>
+    <p:extLst>
+      <p:ext uri="{BB962C8B-B14F-4D97-AF65-F5344CB8AC3E}">
+        <p14:creationId xmlns:p14="http://schemas.microsoft.com/office/powerpoint/2010/main" val="444152204"/>
       </p:ext>
     </p:extLst>
   </p:cSld>
@@ -12631,224 +12585,6 @@
             </a:pPr>
             <a:r>
               <a:rPr lang="en-US" sz="2000" dirty="0">
-                <a:solidFill>
-                  <a:schemeClr val="bg1"/>
-                </a:solidFill>
-                <a:latin typeface="+mj-lt"/>
-              </a:rPr>
-              <a:t>Certainty follow-up questions:</a:t>
-            </a:r>
-          </a:p>
-          <a:p>
-            <a:pPr lvl="3"/>
-            <a:r>
-              <a:rPr lang="en-US" sz="2000" dirty="0">
-                <a:solidFill>
-                  <a:schemeClr val="bg1"/>
-                </a:solidFill>
-                <a:latin typeface="+mj-lt"/>
-              </a:rPr>
-              <a:t>“How confident are you in your answer?” With the range: “0 - not at all confident”; “1- somewhat confident”; and “2 - very confident.”</a:t>
-            </a:r>
-          </a:p>
-          <a:p>
-            <a:pPr marL="914400" lvl="1" indent="-457200">
-              <a:buFont typeface="+mj-lt"/>
-              <a:buAutoNum type="arabicPeriod"/>
-            </a:pPr>
-            <a:endParaRPr lang="en-US" sz="2000" dirty="0">
-              <a:latin typeface="+mj-lt"/>
-            </a:endParaRPr>
-          </a:p>
-        </p:txBody>
-      </p:sp>
-    </p:spTree>
-    <p:custDataLst>
-      <p:tags r:id="rId1"/>
-    </p:custDataLst>
-    <p:extLst>
-      <p:ext uri="{BB962C8B-B14F-4D97-AF65-F5344CB8AC3E}">
-        <p14:creationId xmlns:p14="http://schemas.microsoft.com/office/powerpoint/2010/main" val="444152204"/>
-      </p:ext>
-    </p:extLst>
-  </p:cSld>
-  <p:clrMapOvr>
-    <a:masterClrMapping/>
-  </p:clrMapOvr>
-</p:sld>
-</file>
-
-<file path=ppt/slides/slide18.xml><?xml version="1.0" encoding="utf-8"?>
-<p:sld xmlns:a="http://schemas.openxmlformats.org/drawingml/2006/main" xmlns:r="http://schemas.openxmlformats.org/officeDocument/2006/relationships" xmlns:p="http://schemas.openxmlformats.org/presentationml/2006/main">
-  <p:cSld>
-    <p:spTree>
-      <p:nvGrpSpPr>
-        <p:cNvPr id="1" name=""/>
-        <p:cNvGrpSpPr/>
-        <p:nvPr/>
-      </p:nvGrpSpPr>
-      <p:grpSpPr>
-        <a:xfrm>
-          <a:off x="0" y="0"/>
-          <a:ext cx="0" cy="0"/>
-          <a:chOff x="0" y="0"/>
-          <a:chExt cx="0" cy="0"/>
-        </a:xfrm>
-      </p:grpSpPr>
-      <p:sp>
-        <p:nvSpPr>
-          <p:cNvPr id="6" name="Title 2">
-            <a:extLst>
-              <a:ext uri="{FF2B5EF4-FFF2-40B4-BE49-F238E27FC236}">
-                <a16:creationId xmlns:a16="http://schemas.microsoft.com/office/drawing/2014/main" id="{62886FA5-F147-476F-962C-F8F29C058435}"/>
-              </a:ext>
-            </a:extLst>
-          </p:cNvPr>
-          <p:cNvSpPr txBox="1">
-            <a:spLocks/>
-          </p:cNvSpPr>
-          <p:nvPr/>
-        </p:nvSpPr>
-        <p:spPr>
-          <a:xfrm>
-            <a:off x="768589" y="0"/>
-            <a:ext cx="10654818" cy="749508"/>
-          </a:xfrm>
-          <a:prstGeom prst="rect">
-            <a:avLst/>
-          </a:prstGeom>
-        </p:spPr>
-        <p:txBody>
-          <a:bodyPr vert="horz" lIns="91440" tIns="45720" rIns="91440" bIns="45720" rtlCol="0" anchor="b">
-            <a:noAutofit/>
-          </a:bodyPr>
-          <a:lstStyle>
-            <a:lvl1pPr algn="l" defTabSz="914400" rtl="0" eaLnBrk="1" latinLnBrk="0" hangingPunct="1">
-              <a:lnSpc>
-                <a:spcPct val="85000"/>
-              </a:lnSpc>
-              <a:spcBef>
-                <a:spcPct val="0"/>
-              </a:spcBef>
-              <a:buNone/>
-              <a:defRPr sz="2400" kern="1200" spc="-50" baseline="0">
-                <a:solidFill>
-                  <a:schemeClr val="tx1">
-                    <a:lumMod val="75000"/>
-                    <a:lumOff val="25000"/>
-                  </a:schemeClr>
-                </a:solidFill>
-                <a:latin typeface="Times New Roman" panose="02020603050405020304" pitchFamily="18" charset="0"/>
-                <a:ea typeface="+mj-ea"/>
-                <a:cs typeface="Times New Roman" panose="02020603050405020304" pitchFamily="18" charset="0"/>
-              </a:defRPr>
-            </a:lvl1pPr>
-          </a:lstStyle>
-          <a:p>
-            <a:pPr algn="ctr">
-              <a:lnSpc>
-                <a:spcPct val="100000"/>
-              </a:lnSpc>
-            </a:pPr>
-            <a:r>
-              <a:rPr lang="en-US" sz="2800" dirty="0">
-                <a:solidFill>
-                  <a:schemeClr val="tx1"/>
-                </a:solidFill>
-                <a:latin typeface="+mj-lt"/>
-              </a:rPr>
-              <a:t>Concern: Internal Validity</a:t>
-            </a:r>
-          </a:p>
-        </p:txBody>
-      </p:sp>
-      <p:sp>
-        <p:nvSpPr>
-          <p:cNvPr id="7" name="TextBox 6">
-            <a:extLst>
-              <a:ext uri="{FF2B5EF4-FFF2-40B4-BE49-F238E27FC236}">
-                <a16:creationId xmlns:a16="http://schemas.microsoft.com/office/drawing/2014/main" id="{866A50C4-8938-4D71-8FD1-7DF4E3657532}"/>
-              </a:ext>
-            </a:extLst>
-          </p:cNvPr>
-          <p:cNvSpPr txBox="1"/>
-          <p:nvPr/>
-        </p:nvSpPr>
-        <p:spPr>
-          <a:xfrm>
-            <a:off x="1126432" y="898594"/>
-            <a:ext cx="9939131" cy="5632311"/>
-          </a:xfrm>
-          <a:prstGeom prst="rect">
-            <a:avLst/>
-          </a:prstGeom>
-          <a:noFill/>
-        </p:spPr>
-        <p:txBody>
-          <a:bodyPr wrap="square">
-            <a:spAutoFit/>
-          </a:bodyPr>
-          <a:lstStyle/>
-          <a:p>
-            <a:pPr marL="342900" indent="-342900">
-              <a:buFont typeface="Arial" panose="020B0604020202020204" pitchFamily="34" charset="0"/>
-              <a:buChar char="•"/>
-            </a:pPr>
-            <a:r>
-              <a:rPr lang="en-US" sz="2000" dirty="0">
-                <a:latin typeface="+mj-lt"/>
-              </a:rPr>
-              <a:t>A common criticism of stated preference research involves the internal validity of the survey responses. After all, people are simply stating what they will choose, not actually buying. </a:t>
-            </a:r>
-          </a:p>
-          <a:p>
-            <a:endParaRPr lang="en-US" sz="2000" dirty="0">
-              <a:latin typeface="+mj-lt"/>
-            </a:endParaRPr>
-          </a:p>
-          <a:p>
-            <a:pPr marL="914400" lvl="1" indent="-457200">
-              <a:buFont typeface="+mj-lt"/>
-              <a:buAutoNum type="arabicPeriod"/>
-            </a:pPr>
-            <a:r>
-              <a:rPr lang="en-US" sz="2000" dirty="0">
-                <a:latin typeface="+mj-lt"/>
-              </a:rPr>
-              <a:t>“Cheap talk” script, or the “please try hard and please be honest” script</a:t>
-            </a:r>
-          </a:p>
-          <a:p>
-            <a:pPr lvl="3"/>
-            <a:endParaRPr lang="en-US" sz="2000" dirty="0">
-              <a:latin typeface="+mj-lt"/>
-            </a:endParaRPr>
-          </a:p>
-          <a:p>
-            <a:pPr lvl="3"/>
-            <a:r>
-              <a:rPr lang="en-US" sz="2000" dirty="0">
-                <a:latin typeface="+mj-lt"/>
-              </a:rPr>
-              <a:t>“Experience from previous similar surveys is that people often say they would be willing to pay more money for something than they actually would. For example, in one study, 80% of people said they would buy a product, but when a store actually stocked the product, only 43% of people actually bought the new product. It is important that you make each of your upcoming selections like you would if you were actually facing these exact choices in reality. Note that paying for environmental improvement means you would have less money available for other purchases.”</a:t>
-            </a:r>
-          </a:p>
-          <a:p>
-            <a:pPr marL="914400" lvl="1" indent="-457200">
-              <a:buFont typeface="+mj-lt"/>
-              <a:buAutoNum type="arabicPeriod"/>
-            </a:pPr>
-            <a:endParaRPr lang="en-US" sz="2000" dirty="0">
-              <a:latin typeface="+mj-lt"/>
-            </a:endParaRPr>
-          </a:p>
-          <a:p>
-            <a:pPr marL="914400" lvl="1" indent="-457200">
-              <a:buFont typeface="+mj-lt"/>
-              <a:buAutoNum type="arabicPeriod"/>
-            </a:pPr>
-            <a:r>
-              <a:rPr lang="en-US" sz="2000" dirty="0">
                 <a:latin typeface="+mj-lt"/>
               </a:rPr>
               <a:t>Certainty follow-up questions:</a:t>
@@ -12890,7 +12626,7 @@
 </p:sld>
 </file>
 
-<file path=ppt/slides/slide19.xml><?xml version="1.0" encoding="utf-8"?>
+<file path=ppt/slides/slide18.xml><?xml version="1.0" encoding="utf-8"?>
 <p:sld xmlns:a="http://schemas.openxmlformats.org/drawingml/2006/main" xmlns:r="http://schemas.openxmlformats.org/officeDocument/2006/relationships" xmlns:p="http://schemas.openxmlformats.org/presentationml/2006/main">
   <p:cSld>
     <p:spTree>
@@ -13082,1008 +12818,7 @@
 </p:sld>
 </file>
 
-<file path=ppt/slides/slide2.xml><?xml version="1.0" encoding="utf-8"?>
-<p:sld xmlns:a="http://schemas.openxmlformats.org/drawingml/2006/main" xmlns:r="http://schemas.openxmlformats.org/officeDocument/2006/relationships" xmlns:p="http://schemas.openxmlformats.org/presentationml/2006/main">
-  <p:cSld>
-    <p:spTree>
-      <p:nvGrpSpPr>
-        <p:cNvPr id="1" name=""/>
-        <p:cNvGrpSpPr/>
-        <p:nvPr/>
-      </p:nvGrpSpPr>
-      <p:grpSpPr>
-        <a:xfrm>
-          <a:off x="0" y="0"/>
-          <a:ext cx="0" cy="0"/>
-          <a:chOff x="0" y="0"/>
-          <a:chExt cx="0" cy="0"/>
-        </a:xfrm>
-      </p:grpSpPr>
-      <p:pic>
-        <p:nvPicPr>
-          <p:cNvPr id="6" name="Picture 5">
-            <a:extLst>
-              <a:ext uri="{FF2B5EF4-FFF2-40B4-BE49-F238E27FC236}">
-                <a16:creationId xmlns:a16="http://schemas.microsoft.com/office/drawing/2014/main" id="{16C71482-15FB-48AA-A823-516C99AF0652}"/>
-              </a:ext>
-            </a:extLst>
-          </p:cNvPr>
-          <p:cNvPicPr>
-            <a:picLocks noChangeAspect="1"/>
-          </p:cNvPicPr>
-          <p:nvPr/>
-        </p:nvPicPr>
-        <p:blipFill>
-          <a:blip r:embed="rId4"/>
-          <a:stretch>
-            <a:fillRect/>
-          </a:stretch>
-        </p:blipFill>
-        <p:spPr>
-          <a:xfrm>
-            <a:off x="392033" y="706684"/>
-            <a:ext cx="11407933" cy="5668663"/>
-          </a:xfrm>
-          <a:prstGeom prst="rect">
-            <a:avLst/>
-          </a:prstGeom>
-        </p:spPr>
-      </p:pic>
-      <p:sp>
-        <p:nvSpPr>
-          <p:cNvPr id="7" name="Rectangle: Rounded Corners 6">
-            <a:extLst>
-              <a:ext uri="{FF2B5EF4-FFF2-40B4-BE49-F238E27FC236}">
-                <a16:creationId xmlns:a16="http://schemas.microsoft.com/office/drawing/2014/main" id="{00EFC04C-9001-4A0C-A4C9-A1273BFEAAB7}"/>
-              </a:ext>
-            </a:extLst>
-          </p:cNvPr>
-          <p:cNvSpPr/>
-          <p:nvPr/>
-        </p:nvSpPr>
-        <p:spPr>
-          <a:xfrm>
-            <a:off x="3509819" y="1903241"/>
-            <a:ext cx="1043610" cy="760445"/>
-          </a:xfrm>
-          <a:prstGeom prst="roundRect">
-            <a:avLst/>
-          </a:prstGeom>
-          <a:noFill/>
-          <a:ln w="28575">
-            <a:solidFill>
-              <a:srgbClr val="C00000"/>
-            </a:solidFill>
-          </a:ln>
-        </p:spPr>
-        <p:style>
-          <a:lnRef idx="2">
-            <a:schemeClr val="accent1">
-              <a:shade val="50000"/>
-            </a:schemeClr>
-          </a:lnRef>
-          <a:fillRef idx="1">
-            <a:schemeClr val="accent1"/>
-          </a:fillRef>
-          <a:effectRef idx="0">
-            <a:schemeClr val="accent1"/>
-          </a:effectRef>
-          <a:fontRef idx="minor">
-            <a:schemeClr val="lt1"/>
-          </a:fontRef>
-        </p:style>
-        <p:txBody>
-          <a:bodyPr rtlCol="0" anchor="ctr"/>
-          <a:lstStyle/>
-          <a:p>
-            <a:pPr algn="ctr"/>
-            <a:endParaRPr lang="en-US"/>
-          </a:p>
-        </p:txBody>
-      </p:sp>
-      <p:sp>
-        <p:nvSpPr>
-          <p:cNvPr id="8" name="Rectangle: Rounded Corners 7">
-            <a:extLst>
-              <a:ext uri="{FF2B5EF4-FFF2-40B4-BE49-F238E27FC236}">
-                <a16:creationId xmlns:a16="http://schemas.microsoft.com/office/drawing/2014/main" id="{DA96959D-4840-4A11-8996-FDB85E57997C}"/>
-              </a:ext>
-            </a:extLst>
-          </p:cNvPr>
-          <p:cNvSpPr/>
-          <p:nvPr/>
-        </p:nvSpPr>
-        <p:spPr>
-          <a:xfrm>
-            <a:off x="4931114" y="1903242"/>
-            <a:ext cx="1043610" cy="427382"/>
-          </a:xfrm>
-          <a:prstGeom prst="roundRect">
-            <a:avLst/>
-          </a:prstGeom>
-          <a:noFill/>
-          <a:ln w="28575">
-            <a:solidFill>
-              <a:srgbClr val="C00000"/>
-            </a:solidFill>
-          </a:ln>
-        </p:spPr>
-        <p:style>
-          <a:lnRef idx="2">
-            <a:schemeClr val="accent1">
-              <a:shade val="50000"/>
-            </a:schemeClr>
-          </a:lnRef>
-          <a:fillRef idx="1">
-            <a:schemeClr val="accent1"/>
-          </a:fillRef>
-          <a:effectRef idx="0">
-            <a:schemeClr val="accent1"/>
-          </a:effectRef>
-          <a:fontRef idx="minor">
-            <a:schemeClr val="lt1"/>
-          </a:fontRef>
-        </p:style>
-        <p:txBody>
-          <a:bodyPr rtlCol="0" anchor="ctr"/>
-          <a:lstStyle/>
-          <a:p>
-            <a:pPr algn="ctr"/>
-            <a:endParaRPr lang="en-US"/>
-          </a:p>
-        </p:txBody>
-      </p:sp>
-      <mc:AlternateContent xmlns:mc="http://schemas.openxmlformats.org/markup-compatibility/2006" xmlns:a14="http://schemas.microsoft.com/office/drawing/2010/main">
-        <mc:Choice Requires="a14">
-          <p:sp>
-            <p:nvSpPr>
-              <p:cNvPr id="9" name="TextBox 8">
-                <a:extLst>
-                  <a:ext uri="{FF2B5EF4-FFF2-40B4-BE49-F238E27FC236}">
-                    <a16:creationId xmlns:a16="http://schemas.microsoft.com/office/drawing/2014/main" id="{DD1CC702-FF6D-44C7-901A-7F7697642274}"/>
-                  </a:ext>
-                </a:extLst>
-              </p:cNvPr>
-              <p:cNvSpPr txBox="1"/>
-              <p:nvPr/>
-            </p:nvSpPr>
-            <p:spPr>
-              <a:xfrm>
-                <a:off x="944816" y="194684"/>
-                <a:ext cx="10302368" cy="512000"/>
-              </a:xfrm>
-              <a:prstGeom prst="rect">
-                <a:avLst/>
-              </a:prstGeom>
-              <a:noFill/>
-            </p:spPr>
-            <p:txBody>
-              <a:bodyPr wrap="square">
-                <a:spAutoFit/>
-              </a:bodyPr>
-              <a:lstStyle/>
-              <a:p>
-                <a:pPr/>
-                <a14:m>
-                  <m:oMathPara xmlns:m="http://schemas.openxmlformats.org/officeDocument/2006/math">
-                    <m:oMathParaPr>
-                      <m:jc m:val="centerGroup"/>
-                    </m:oMathParaPr>
-                    <m:oMath xmlns:m="http://schemas.openxmlformats.org/officeDocument/2006/math">
-                      <m:sSub>
-                        <m:sSubPr>
-                          <m:ctrlPr>
-                            <a:rPr lang="en-US" sz="2400" b="0" i="1" smtClean="0">
-                              <a:solidFill>
-                                <a:schemeClr val="tx1"/>
-                              </a:solidFill>
-                              <a:latin typeface="Cambria Math" panose="02040503050406030204" pitchFamily="18" charset="0"/>
-                              <a:cs typeface="Calibri Light" panose="020F0302020204030204" pitchFamily="34" charset="0"/>
-                            </a:rPr>
-                          </m:ctrlPr>
-                        </m:sSubPr>
-                        <m:e>
-                          <m:func>
-                            <m:funcPr>
-                              <m:ctrlPr>
-                                <a:rPr lang="en-US" sz="2400" b="0" i="1" smtClean="0">
-                                  <a:solidFill>
-                                    <a:schemeClr val="tx1"/>
-                                  </a:solidFill>
-                                  <a:latin typeface="Cambria Math" panose="02040503050406030204" pitchFamily="18" charset="0"/>
-                                  <a:cs typeface="Calibri Light" panose="020F0302020204030204" pitchFamily="34" charset="0"/>
-                                </a:rPr>
-                              </m:ctrlPr>
-                            </m:funcPr>
-                            <m:fName>
-                              <m:r>
-                                <m:rPr>
-                                  <m:sty m:val="p"/>
-                                </m:rPr>
-                                <a:rPr lang="en-US" sz="2400" b="0" i="0" smtClean="0">
-                                  <a:solidFill>
-                                    <a:schemeClr val="tx1"/>
-                                  </a:solidFill>
-                                  <a:latin typeface="Cambria Math" panose="02040503050406030204" pitchFamily="18" charset="0"/>
-                                  <a:cs typeface="Calibri Light" panose="020F0302020204030204" pitchFamily="34" charset="0"/>
-                                </a:rPr>
-                                <m:t>log</m:t>
-                              </m:r>
-                            </m:fName>
-                            <m:e>
-                              <m:d>
-                                <m:dPr>
-                                  <m:ctrlPr>
-                                    <a:rPr lang="en-US" sz="2400" b="0" i="1" smtClean="0">
-                                      <a:solidFill>
-                                        <a:schemeClr val="tx1"/>
-                                      </a:solidFill>
-                                      <a:latin typeface="Cambria Math" panose="02040503050406030204" pitchFamily="18" charset="0"/>
-                                      <a:cs typeface="Calibri Light" panose="020F0302020204030204" pitchFamily="34" charset="0"/>
-                                    </a:rPr>
-                                  </m:ctrlPr>
-                                </m:dPr>
-                                <m:e>
-                                  <m:r>
-                                    <a:rPr lang="en-US" sz="2400" b="0" i="1" smtClean="0">
-                                      <a:solidFill>
-                                        <a:schemeClr val="tx1"/>
-                                      </a:solidFill>
-                                      <a:latin typeface="Cambria Math" panose="02040503050406030204" pitchFamily="18" charset="0"/>
-                                      <a:cs typeface="Calibri Light" panose="020F0302020204030204" pitchFamily="34" charset="0"/>
-                                    </a:rPr>
-                                    <m:t>𝑝𝑟𝑖𝑐𝑒</m:t>
-                                  </m:r>
-                                </m:e>
-                              </m:d>
-                            </m:e>
-                          </m:func>
-                        </m:e>
-                        <m:sub>
-                          <m:r>
-                            <a:rPr lang="en-US" sz="2400" b="0" i="1" smtClean="0">
-                              <a:solidFill>
-                                <a:schemeClr val="tx1"/>
-                              </a:solidFill>
-                              <a:latin typeface="Cambria Math" panose="02040503050406030204" pitchFamily="18" charset="0"/>
-                              <a:cs typeface="Calibri Light" panose="020F0302020204030204" pitchFamily="34" charset="0"/>
-                            </a:rPr>
-                            <m:t>𝑖𝑗𝑡</m:t>
-                          </m:r>
-                        </m:sub>
-                      </m:sSub>
-                      <m:r>
-                        <a:rPr lang="en-US" sz="2400" b="0" i="1" smtClean="0">
-                          <a:solidFill>
-                            <a:schemeClr val="tx1"/>
-                          </a:solidFill>
-                          <a:latin typeface="Cambria Math" panose="02040503050406030204" pitchFamily="18" charset="0"/>
-                          <a:cs typeface="Calibri Light" panose="020F0302020204030204" pitchFamily="34" charset="0"/>
-                        </a:rPr>
-                        <m:t>=</m:t>
-                      </m:r>
-                      <m:sSub>
-                        <m:sSubPr>
-                          <m:ctrlPr>
-                            <a:rPr lang="en-US" sz="2400" b="0" i="1" smtClean="0">
-                              <a:solidFill>
-                                <a:schemeClr val="tx1"/>
-                              </a:solidFill>
-                              <a:latin typeface="Cambria Math" panose="02040503050406030204" pitchFamily="18" charset="0"/>
-                              <a:cs typeface="Calibri Light" panose="020F0302020204030204" pitchFamily="34" charset="0"/>
-                            </a:rPr>
-                          </m:ctrlPr>
-                        </m:sSubPr>
-                        <m:e>
-                          <m:r>
-                            <a:rPr lang="en-US" sz="2400" b="0" i="1" smtClean="0">
-                              <a:solidFill>
-                                <a:schemeClr val="tx1"/>
-                              </a:solidFill>
-                              <a:latin typeface="Cambria Math" panose="02040503050406030204" pitchFamily="18" charset="0"/>
-                              <a:cs typeface="Calibri Light" panose="020F0302020204030204" pitchFamily="34" charset="0"/>
-                            </a:rPr>
-                            <m:t>𝛽</m:t>
-                          </m:r>
-                        </m:e>
-                        <m:sub>
-                          <m:r>
-                            <a:rPr lang="en-US" sz="2400" b="0" i="1" smtClean="0">
-                              <a:solidFill>
-                                <a:schemeClr val="tx1"/>
-                              </a:solidFill>
-                              <a:latin typeface="Cambria Math" panose="02040503050406030204" pitchFamily="18" charset="0"/>
-                              <a:cs typeface="Calibri Light" panose="020F0302020204030204" pitchFamily="34" charset="0"/>
-                            </a:rPr>
-                            <m:t>0</m:t>
-                          </m:r>
-                        </m:sub>
-                      </m:sSub>
-                      <m:r>
-                        <a:rPr lang="en-US" sz="2400" b="0" i="1" smtClean="0">
-                          <a:solidFill>
-                            <a:schemeClr val="tx1"/>
-                          </a:solidFill>
-                          <a:latin typeface="Cambria Math" panose="02040503050406030204" pitchFamily="18" charset="0"/>
-                          <a:cs typeface="Calibri Light" panose="020F0302020204030204" pitchFamily="34" charset="0"/>
-                        </a:rPr>
-                        <m:t>+</m:t>
-                      </m:r>
-                      <m:sSub>
-                        <m:sSubPr>
-                          <m:ctrlPr>
-                            <a:rPr lang="en-US" sz="2400" b="0" i="1" smtClean="0">
-                              <a:solidFill>
-                                <a:schemeClr val="tx1"/>
-                              </a:solidFill>
-                              <a:latin typeface="Cambria Math" panose="02040503050406030204" pitchFamily="18" charset="0"/>
-                              <a:cs typeface="Calibri Light" panose="020F0302020204030204" pitchFamily="34" charset="0"/>
-                            </a:rPr>
-                          </m:ctrlPr>
-                        </m:sSubPr>
-                        <m:e>
-                          <m:r>
-                            <a:rPr lang="en-US" sz="2400" b="0" i="1" smtClean="0">
-                              <a:solidFill>
-                                <a:schemeClr val="tx1"/>
-                              </a:solidFill>
-                              <a:latin typeface="Cambria Math" panose="02040503050406030204" pitchFamily="18" charset="0"/>
-                              <a:cs typeface="Calibri Light" panose="020F0302020204030204" pitchFamily="34" charset="0"/>
-                            </a:rPr>
-                            <m:t>𝛽</m:t>
-                          </m:r>
-                        </m:e>
-                        <m:sub>
-                          <m:r>
-                            <a:rPr lang="en-US" sz="2400" b="0" i="1" smtClean="0">
-                              <a:solidFill>
-                                <a:schemeClr val="tx1"/>
-                              </a:solidFill>
-                              <a:latin typeface="Cambria Math" panose="02040503050406030204" pitchFamily="18" charset="0"/>
-                              <a:cs typeface="Calibri Light" panose="020F0302020204030204" pitchFamily="34" charset="0"/>
-                            </a:rPr>
-                            <m:t>1</m:t>
-                          </m:r>
-                        </m:sub>
-                      </m:sSub>
-                      <m:r>
-                        <a:rPr lang="en-US" sz="2400" b="0" i="1" smtClean="0">
-                          <a:solidFill>
-                            <a:schemeClr val="tx1"/>
-                          </a:solidFill>
-                          <a:latin typeface="Cambria Math" panose="02040503050406030204" pitchFamily="18" charset="0"/>
-                          <a:cs typeface="Calibri Light" panose="020F0302020204030204" pitchFamily="34" charset="0"/>
-                        </a:rPr>
-                        <m:t>𝐴𝑔</m:t>
-                      </m:r>
-                      <m:sSub>
-                        <m:sSubPr>
-                          <m:ctrlPr>
-                            <a:rPr lang="en-US" sz="2400" b="0" i="1" smtClean="0">
-                              <a:solidFill>
-                                <a:schemeClr val="tx1"/>
-                              </a:solidFill>
-                              <a:latin typeface="Cambria Math" panose="02040503050406030204" pitchFamily="18" charset="0"/>
-                              <a:cs typeface="Calibri Light" panose="020F0302020204030204" pitchFamily="34" charset="0"/>
-                            </a:rPr>
-                          </m:ctrlPr>
-                        </m:sSubPr>
-                        <m:e>
-                          <m:r>
-                            <a:rPr lang="en-US" sz="2400" b="0" i="1" smtClean="0">
-                              <a:solidFill>
-                                <a:schemeClr val="tx1"/>
-                              </a:solidFill>
-                              <a:latin typeface="Cambria Math" panose="02040503050406030204" pitchFamily="18" charset="0"/>
-                              <a:cs typeface="Calibri Light" panose="020F0302020204030204" pitchFamily="34" charset="0"/>
-                            </a:rPr>
-                            <m:t>𝑒</m:t>
-                          </m:r>
-                        </m:e>
-                        <m:sub>
-                          <m:r>
-                            <a:rPr lang="en-US" sz="2400" b="0" i="1" smtClean="0">
-                              <a:solidFill>
-                                <a:schemeClr val="tx1"/>
-                              </a:solidFill>
-                              <a:latin typeface="Cambria Math" panose="02040503050406030204" pitchFamily="18" charset="0"/>
-                              <a:cs typeface="Calibri Light" panose="020F0302020204030204" pitchFamily="34" charset="0"/>
-                            </a:rPr>
-                            <m:t>𝑖𝑡</m:t>
-                          </m:r>
-                        </m:sub>
-                      </m:sSub>
-                      <m:r>
-                        <a:rPr lang="en-US" sz="2400" b="0" i="1" smtClean="0">
-                          <a:solidFill>
-                            <a:schemeClr val="tx1"/>
-                          </a:solidFill>
-                          <a:latin typeface="Cambria Math" panose="02040503050406030204" pitchFamily="18" charset="0"/>
-                          <a:cs typeface="Calibri Light" panose="020F0302020204030204" pitchFamily="34" charset="0"/>
-                        </a:rPr>
-                        <m:t>+</m:t>
-                      </m:r>
-                      <m:sSub>
-                        <m:sSubPr>
-                          <m:ctrlPr>
-                            <a:rPr lang="en-US" sz="2400" b="0" i="1" smtClean="0">
-                              <a:solidFill>
-                                <a:schemeClr val="tx1"/>
-                              </a:solidFill>
-                              <a:latin typeface="Cambria Math" panose="02040503050406030204" pitchFamily="18" charset="0"/>
-                              <a:cs typeface="Calibri Light" panose="020F0302020204030204" pitchFamily="34" charset="0"/>
-                            </a:rPr>
-                          </m:ctrlPr>
-                        </m:sSubPr>
-                        <m:e>
-                          <m:r>
-                            <a:rPr lang="en-US" sz="2400" b="0" i="1" smtClean="0">
-                              <a:solidFill>
-                                <a:schemeClr val="tx1"/>
-                              </a:solidFill>
-                              <a:latin typeface="Cambria Math" panose="02040503050406030204" pitchFamily="18" charset="0"/>
-                              <a:cs typeface="Calibri Light" panose="020F0302020204030204" pitchFamily="34" charset="0"/>
-                            </a:rPr>
-                            <m:t>𝛽</m:t>
-                          </m:r>
-                        </m:e>
-                        <m:sub>
-                          <m:r>
-                            <a:rPr lang="en-US" sz="2400" b="0" i="1" smtClean="0">
-                              <a:solidFill>
-                                <a:schemeClr val="tx1"/>
-                              </a:solidFill>
-                              <a:latin typeface="Cambria Math" panose="02040503050406030204" pitchFamily="18" charset="0"/>
-                              <a:cs typeface="Calibri Light" panose="020F0302020204030204" pitchFamily="34" charset="0"/>
-                            </a:rPr>
-                            <m:t>2</m:t>
-                          </m:r>
-                        </m:sub>
-                      </m:sSub>
-                      <m:sSub>
-                        <m:sSubPr>
-                          <m:ctrlPr>
-                            <a:rPr lang="en-US" sz="2400" b="0" i="1" smtClean="0">
-                              <a:solidFill>
-                                <a:schemeClr val="tx1"/>
-                              </a:solidFill>
-                              <a:latin typeface="Cambria Math" panose="02040503050406030204" pitchFamily="18" charset="0"/>
-                              <a:cs typeface="Calibri Light" panose="020F0302020204030204" pitchFamily="34" charset="0"/>
-                            </a:rPr>
-                          </m:ctrlPr>
-                        </m:sSubPr>
-                        <m:e>
-                          <m:func>
-                            <m:funcPr>
-                              <m:ctrlPr>
-                                <a:rPr lang="en-US" sz="2400" b="0" i="1" smtClean="0">
-                                  <a:solidFill>
-                                    <a:schemeClr val="tx1"/>
-                                  </a:solidFill>
-                                  <a:latin typeface="Cambria Math" panose="02040503050406030204" pitchFamily="18" charset="0"/>
-                                  <a:cs typeface="Calibri Light" panose="020F0302020204030204" pitchFamily="34" charset="0"/>
-                                </a:rPr>
-                              </m:ctrlPr>
-                            </m:funcPr>
-                            <m:fName>
-                              <m:r>
-                                <m:rPr>
-                                  <m:sty m:val="p"/>
-                                </m:rPr>
-                                <a:rPr lang="en-US" sz="2400" b="0" i="0" smtClean="0">
-                                  <a:solidFill>
-                                    <a:schemeClr val="tx1"/>
-                                  </a:solidFill>
-                                  <a:latin typeface="Cambria Math" panose="02040503050406030204" pitchFamily="18" charset="0"/>
-                                  <a:cs typeface="Calibri Light" panose="020F0302020204030204" pitchFamily="34" charset="0"/>
-                                </a:rPr>
-                                <m:t>log</m:t>
-                              </m:r>
-                            </m:fName>
-                            <m:e>
-                              <m:d>
-                                <m:dPr>
-                                  <m:ctrlPr>
-                                    <a:rPr lang="en-US" sz="2400" b="0" i="1" smtClean="0">
-                                      <a:solidFill>
-                                        <a:schemeClr val="tx1"/>
-                                      </a:solidFill>
-                                      <a:latin typeface="Cambria Math" panose="02040503050406030204" pitchFamily="18" charset="0"/>
-                                      <a:cs typeface="Calibri Light" panose="020F0302020204030204" pitchFamily="34" charset="0"/>
-                                    </a:rPr>
-                                  </m:ctrlPr>
-                                </m:dPr>
-                                <m:e>
-                                  <m:r>
-                                    <a:rPr lang="en-US" sz="2400" b="0" i="1" smtClean="0">
-                                      <a:solidFill>
-                                        <a:schemeClr val="tx1"/>
-                                      </a:solidFill>
-                                      <a:latin typeface="Cambria Math" panose="02040503050406030204" pitchFamily="18" charset="0"/>
-                                      <a:cs typeface="Calibri Light" panose="020F0302020204030204" pitchFamily="34" charset="0"/>
-                                    </a:rPr>
-                                    <m:t>𝑊𝑄</m:t>
-                                  </m:r>
-                                </m:e>
-                              </m:d>
-                            </m:e>
-                          </m:func>
-                        </m:e>
-                        <m:sub>
-                          <m:r>
-                            <a:rPr lang="en-US" sz="2400" b="0" i="1" smtClean="0">
-                              <a:solidFill>
-                                <a:schemeClr val="tx1"/>
-                              </a:solidFill>
-                              <a:latin typeface="Cambria Math" panose="02040503050406030204" pitchFamily="18" charset="0"/>
-                              <a:cs typeface="Calibri Light" panose="020F0302020204030204" pitchFamily="34" charset="0"/>
-                            </a:rPr>
-                            <m:t>𝑖𝑡</m:t>
-                          </m:r>
-                        </m:sub>
-                      </m:sSub>
-                      <m:r>
-                        <a:rPr lang="en-US" sz="2400" b="0" i="1" smtClean="0">
-                          <a:solidFill>
-                            <a:schemeClr val="tx1"/>
-                          </a:solidFill>
-                          <a:latin typeface="Cambria Math" panose="02040503050406030204" pitchFamily="18" charset="0"/>
-                          <a:cs typeface="Calibri Light" panose="020F0302020204030204" pitchFamily="34" charset="0"/>
-                        </a:rPr>
-                        <m:t>+</m:t>
-                      </m:r>
-                      <m:sSub>
-                        <m:sSubPr>
-                          <m:ctrlPr>
-                            <a:rPr lang="en-US" sz="2400" b="0" i="1" smtClean="0">
-                              <a:solidFill>
-                                <a:schemeClr val="tx1"/>
-                              </a:solidFill>
-                              <a:latin typeface="Cambria Math" panose="02040503050406030204" pitchFamily="18" charset="0"/>
-                              <a:cs typeface="Calibri Light" panose="020F0302020204030204" pitchFamily="34" charset="0"/>
-                            </a:rPr>
-                          </m:ctrlPr>
-                        </m:sSubPr>
-                        <m:e>
-                          <m:r>
-                            <a:rPr lang="en-US" sz="2400" b="0" i="1" smtClean="0">
-                              <a:solidFill>
-                                <a:schemeClr val="tx1"/>
-                              </a:solidFill>
-                              <a:latin typeface="Cambria Math" panose="02040503050406030204" pitchFamily="18" charset="0"/>
-                              <a:cs typeface="Calibri Light" panose="020F0302020204030204" pitchFamily="34" charset="0"/>
-                            </a:rPr>
-                            <m:t>𝛽</m:t>
-                          </m:r>
-                        </m:e>
-                        <m:sub>
-                          <m:r>
-                            <a:rPr lang="en-US" sz="2400" b="0" i="1" smtClean="0">
-                              <a:solidFill>
-                                <a:schemeClr val="tx1"/>
-                              </a:solidFill>
-                              <a:latin typeface="Cambria Math" panose="02040503050406030204" pitchFamily="18" charset="0"/>
-                              <a:cs typeface="Calibri Light" panose="020F0302020204030204" pitchFamily="34" charset="0"/>
-                            </a:rPr>
-                            <m:t>3</m:t>
-                          </m:r>
-                        </m:sub>
-                      </m:sSub>
-                      <m:sSub>
-                        <m:sSubPr>
-                          <m:ctrlPr>
-                            <a:rPr lang="en-US" sz="2400" b="0" i="1" smtClean="0">
-                              <a:solidFill>
-                                <a:schemeClr val="tx1"/>
-                              </a:solidFill>
-                              <a:latin typeface="Cambria Math" panose="02040503050406030204" pitchFamily="18" charset="0"/>
-                              <a:cs typeface="Calibri Light" panose="020F0302020204030204" pitchFamily="34" charset="0"/>
-                            </a:rPr>
-                          </m:ctrlPr>
-                        </m:sSubPr>
-                        <m:e>
-                          <m:acc>
-                            <m:accPr>
-                              <m:chr m:val="̂"/>
-                              <m:ctrlPr>
-                                <a:rPr lang="en-US" sz="2400" b="0" i="1" smtClean="0">
-                                  <a:solidFill>
-                                    <a:schemeClr val="tx1"/>
-                                  </a:solidFill>
-                                  <a:latin typeface="Cambria Math" panose="02040503050406030204" pitchFamily="18" charset="0"/>
-                                  <a:cs typeface="Calibri Light" panose="020F0302020204030204" pitchFamily="34" charset="0"/>
-                                </a:rPr>
-                              </m:ctrlPr>
-                            </m:accPr>
-                            <m:e>
-                              <m:r>
-                                <a:rPr lang="en-US" sz="2400" b="0" i="1" smtClean="0">
-                                  <a:solidFill>
-                                    <a:schemeClr val="tx1"/>
-                                  </a:solidFill>
-                                  <a:latin typeface="Cambria Math" panose="02040503050406030204" pitchFamily="18" charset="0"/>
-                                  <a:cs typeface="Calibri Light" panose="020F0302020204030204" pitchFamily="34" charset="0"/>
-                                </a:rPr>
-                                <m:t>𝐸𝐶𝑆</m:t>
-                              </m:r>
-                            </m:e>
-                          </m:acc>
-                        </m:e>
-                        <m:sub>
-                          <m:r>
-                            <a:rPr lang="en-US" sz="2400" b="0" i="1" smtClean="0">
-                              <a:solidFill>
-                                <a:schemeClr val="tx1"/>
-                              </a:solidFill>
-                              <a:latin typeface="Cambria Math" panose="02040503050406030204" pitchFamily="18" charset="0"/>
-                              <a:cs typeface="Calibri Light" panose="020F0302020204030204" pitchFamily="34" charset="0"/>
-                            </a:rPr>
-                            <m:t>𝑗𝑡</m:t>
-                          </m:r>
-                        </m:sub>
-                      </m:sSub>
-                      <m:r>
-                        <a:rPr lang="en-US" sz="2400" b="0" i="1" smtClean="0">
-                          <a:solidFill>
-                            <a:schemeClr val="tx1"/>
-                          </a:solidFill>
-                          <a:latin typeface="Cambria Math" panose="02040503050406030204" pitchFamily="18" charset="0"/>
-                          <a:cs typeface="Calibri Light" panose="020F0302020204030204" pitchFamily="34" charset="0"/>
-                        </a:rPr>
-                        <m:t>+</m:t>
-                      </m:r>
-                      <m:sSub>
-                        <m:sSubPr>
-                          <m:ctrlPr>
-                            <a:rPr lang="en-US" sz="2400" b="0" i="1" smtClean="0">
-                              <a:solidFill>
-                                <a:schemeClr val="tx1"/>
-                              </a:solidFill>
-                              <a:latin typeface="Cambria Math" panose="02040503050406030204" pitchFamily="18" charset="0"/>
-                              <a:cs typeface="Calibri Light" panose="020F0302020204030204" pitchFamily="34" charset="0"/>
-                            </a:rPr>
-                          </m:ctrlPr>
-                        </m:sSubPr>
-                        <m:e>
-                          <m:r>
-                            <a:rPr lang="en-US" sz="2400" b="0" i="1" smtClean="0">
-                              <a:solidFill>
-                                <a:schemeClr val="tx1"/>
-                              </a:solidFill>
-                              <a:latin typeface="Cambria Math" panose="02040503050406030204" pitchFamily="18" charset="0"/>
-                              <a:cs typeface="Calibri Light" panose="020F0302020204030204" pitchFamily="34" charset="0"/>
-                            </a:rPr>
-                            <m:t>𝛼</m:t>
-                          </m:r>
-                        </m:e>
-                        <m:sub>
-                          <m:r>
-                            <a:rPr lang="en-US" sz="2400" b="0" i="1" smtClean="0">
-                              <a:solidFill>
-                                <a:schemeClr val="tx1"/>
-                              </a:solidFill>
-                              <a:latin typeface="Cambria Math" panose="02040503050406030204" pitchFamily="18" charset="0"/>
-                              <a:cs typeface="Calibri Light" panose="020F0302020204030204" pitchFamily="34" charset="0"/>
-                            </a:rPr>
-                            <m:t>𝑖</m:t>
-                          </m:r>
-                        </m:sub>
-                      </m:sSub>
-                      <m:r>
-                        <a:rPr lang="en-US" sz="2400" b="0" i="1" smtClean="0">
-                          <a:solidFill>
-                            <a:schemeClr val="tx1"/>
-                          </a:solidFill>
-                          <a:latin typeface="Cambria Math" panose="02040503050406030204" pitchFamily="18" charset="0"/>
-                          <a:cs typeface="Calibri Light" panose="020F0302020204030204" pitchFamily="34" charset="0"/>
-                        </a:rPr>
-                        <m:t>+</m:t>
-                      </m:r>
-                      <m:sSub>
-                        <m:sSubPr>
-                          <m:ctrlPr>
-                            <a:rPr lang="en-US" sz="2400" b="0" i="1" smtClean="0">
-                              <a:solidFill>
-                                <a:schemeClr val="tx1"/>
-                              </a:solidFill>
-                              <a:latin typeface="Cambria Math" panose="02040503050406030204" pitchFamily="18" charset="0"/>
-                              <a:cs typeface="Calibri Light" panose="020F0302020204030204" pitchFamily="34" charset="0"/>
-                            </a:rPr>
-                          </m:ctrlPr>
-                        </m:sSubPr>
-                        <m:e>
-                          <m:r>
-                            <a:rPr lang="en-US" sz="2400" b="0" i="1" smtClean="0">
-                              <a:solidFill>
-                                <a:schemeClr val="tx1"/>
-                              </a:solidFill>
-                              <a:latin typeface="Cambria Math" panose="02040503050406030204" pitchFamily="18" charset="0"/>
-                              <a:cs typeface="Calibri Light" panose="020F0302020204030204" pitchFamily="34" charset="0"/>
-                            </a:rPr>
-                            <m:t>𝛾</m:t>
-                          </m:r>
-                        </m:e>
-                        <m:sub>
-                          <m:r>
-                            <a:rPr lang="en-US" sz="2400" b="0" i="1" smtClean="0">
-                              <a:solidFill>
-                                <a:schemeClr val="tx1"/>
-                              </a:solidFill>
-                              <a:latin typeface="Cambria Math" panose="02040503050406030204" pitchFamily="18" charset="0"/>
-                              <a:cs typeface="Calibri Light" panose="020F0302020204030204" pitchFamily="34" charset="0"/>
-                            </a:rPr>
-                            <m:t>𝑡</m:t>
-                          </m:r>
-                        </m:sub>
-                      </m:sSub>
-                      <m:r>
-                        <a:rPr lang="en-US" sz="2400" b="0" i="1" smtClean="0">
-                          <a:solidFill>
-                            <a:schemeClr val="tx1"/>
-                          </a:solidFill>
-                          <a:latin typeface="Cambria Math" panose="02040503050406030204" pitchFamily="18" charset="0"/>
-                          <a:cs typeface="Calibri Light" panose="020F0302020204030204" pitchFamily="34" charset="0"/>
-                        </a:rPr>
-                        <m:t>+</m:t>
-                      </m:r>
-                      <m:sSub>
-                        <m:sSubPr>
-                          <m:ctrlPr>
-                            <a:rPr lang="en-US" sz="2400" b="0" i="1" smtClean="0">
-                              <a:solidFill>
-                                <a:schemeClr val="tx1"/>
-                              </a:solidFill>
-                              <a:latin typeface="Cambria Math" panose="02040503050406030204" pitchFamily="18" charset="0"/>
-                              <a:cs typeface="Calibri Light" panose="020F0302020204030204" pitchFamily="34" charset="0"/>
-                            </a:rPr>
-                          </m:ctrlPr>
-                        </m:sSubPr>
-                        <m:e>
-                          <m:r>
-                            <a:rPr lang="en-US" sz="2400" b="0" i="1" smtClean="0">
-                              <a:solidFill>
-                                <a:schemeClr val="tx1"/>
-                              </a:solidFill>
-                              <a:latin typeface="Cambria Math" panose="02040503050406030204" pitchFamily="18" charset="0"/>
-                              <a:cs typeface="Calibri Light" panose="020F0302020204030204" pitchFamily="34" charset="0"/>
-                            </a:rPr>
-                            <m:t>𝜔</m:t>
-                          </m:r>
-                        </m:e>
-                        <m:sub>
-                          <m:r>
-                            <a:rPr lang="en-US" sz="2400" b="0" i="1" smtClean="0">
-                              <a:solidFill>
-                                <a:schemeClr val="tx1"/>
-                              </a:solidFill>
-                              <a:latin typeface="Cambria Math" panose="02040503050406030204" pitchFamily="18" charset="0"/>
-                              <a:cs typeface="Calibri Light" panose="020F0302020204030204" pitchFamily="34" charset="0"/>
-                            </a:rPr>
-                            <m:t>𝑚</m:t>
-                          </m:r>
-                        </m:sub>
-                      </m:sSub>
-                      <m:r>
-                        <a:rPr lang="en-US" sz="2400" b="0" i="1" smtClean="0">
-                          <a:solidFill>
-                            <a:schemeClr val="tx1"/>
-                          </a:solidFill>
-                          <a:latin typeface="Cambria Math" panose="02040503050406030204" pitchFamily="18" charset="0"/>
-                          <a:cs typeface="Calibri Light" panose="020F0302020204030204" pitchFamily="34" charset="0"/>
-                        </a:rPr>
-                        <m:t>+</m:t>
-                      </m:r>
-                      <m:sSub>
-                        <m:sSubPr>
-                          <m:ctrlPr>
-                            <a:rPr lang="en-US" sz="2400" b="0" i="1" smtClean="0">
-                              <a:solidFill>
-                                <a:schemeClr val="tx1"/>
-                              </a:solidFill>
-                              <a:latin typeface="Cambria Math" panose="02040503050406030204" pitchFamily="18" charset="0"/>
-                              <a:cs typeface="Calibri Light" panose="020F0302020204030204" pitchFamily="34" charset="0"/>
-                            </a:rPr>
-                          </m:ctrlPr>
-                        </m:sSubPr>
-                        <m:e>
-                          <m:r>
-                            <a:rPr lang="en-US" sz="2400" b="0" i="1" smtClean="0">
-                              <a:solidFill>
-                                <a:schemeClr val="tx1"/>
-                              </a:solidFill>
-                              <a:latin typeface="Cambria Math" panose="02040503050406030204" pitchFamily="18" charset="0"/>
-                              <a:cs typeface="Calibri Light" panose="020F0302020204030204" pitchFamily="34" charset="0"/>
-                            </a:rPr>
-                            <m:t>𝜀</m:t>
-                          </m:r>
-                        </m:e>
-                        <m:sub>
-                          <m:r>
-                            <a:rPr lang="en-US" sz="2400" b="0" i="1" smtClean="0">
-                              <a:solidFill>
-                                <a:schemeClr val="tx1"/>
-                              </a:solidFill>
-                              <a:latin typeface="Cambria Math" panose="02040503050406030204" pitchFamily="18" charset="0"/>
-                              <a:cs typeface="Calibri Light" panose="020F0302020204030204" pitchFamily="34" charset="0"/>
-                            </a:rPr>
-                            <m:t>𝑖𝑗𝑡</m:t>
-                          </m:r>
-                        </m:sub>
-                      </m:sSub>
-                    </m:oMath>
-                  </m:oMathPara>
-                </a14:m>
-                <a:endParaRPr lang="en-US" sz="2400" dirty="0"/>
-              </a:p>
-            </p:txBody>
-          </p:sp>
-        </mc:Choice>
-        <mc:Fallback xmlns="">
-          <p:sp>
-            <p:nvSpPr>
-              <p:cNvPr id="9" name="TextBox 8">
-                <a:extLst>
-                  <a:ext uri="{FF2B5EF4-FFF2-40B4-BE49-F238E27FC236}">
-                    <a16:creationId xmlns:a16="http://schemas.microsoft.com/office/drawing/2014/main" id="{DD1CC702-FF6D-44C7-901A-7F7697642274}"/>
-                  </a:ext>
-                </a:extLst>
-              </p:cNvPr>
-              <p:cNvSpPr txBox="1">
-                <a:spLocks noRot="1" noChangeAspect="1" noMove="1" noResize="1" noEditPoints="1" noAdjustHandles="1" noChangeArrowheads="1" noChangeShapeType="1" noTextEdit="1"/>
-              </p:cNvSpPr>
-              <p:nvPr/>
-            </p:nvSpPr>
-            <p:spPr>
-              <a:xfrm>
-                <a:off x="944816" y="194684"/>
-                <a:ext cx="10302368" cy="512000"/>
-              </a:xfrm>
-              <a:prstGeom prst="rect">
-                <a:avLst/>
-              </a:prstGeom>
-              <a:blipFill>
-                <a:blip r:embed="rId5"/>
-                <a:stretch>
-                  <a:fillRect/>
-                </a:stretch>
-              </a:blipFill>
-            </p:spPr>
-            <p:txBody>
-              <a:bodyPr/>
-              <a:lstStyle/>
-              <a:p>
-                <a:r>
-                  <a:rPr lang="en-US">
-                    <a:noFill/>
-                  </a:rPr>
-                  <a:t> </a:t>
-                </a:r>
-              </a:p>
-            </p:txBody>
-          </p:sp>
-        </mc:Fallback>
-      </mc:AlternateContent>
-      <p:sp>
-        <p:nvSpPr>
-          <p:cNvPr id="11" name="Rectangle: Rounded Corners 10">
-            <a:extLst>
-              <a:ext uri="{FF2B5EF4-FFF2-40B4-BE49-F238E27FC236}">
-                <a16:creationId xmlns:a16="http://schemas.microsoft.com/office/drawing/2014/main" id="{08DC11C9-7934-4A01-AF4E-768459D405B3}"/>
-              </a:ext>
-            </a:extLst>
-          </p:cNvPr>
-          <p:cNvSpPr/>
-          <p:nvPr/>
-        </p:nvSpPr>
-        <p:spPr>
-          <a:xfrm>
-            <a:off x="5140082" y="258148"/>
-            <a:ext cx="1737796" cy="427382"/>
-          </a:xfrm>
-          <a:prstGeom prst="roundRect">
-            <a:avLst/>
-          </a:prstGeom>
-          <a:noFill/>
-          <a:ln w="28575">
-            <a:solidFill>
-              <a:srgbClr val="C00000"/>
-            </a:solidFill>
-          </a:ln>
-        </p:spPr>
-        <p:style>
-          <a:lnRef idx="2">
-            <a:schemeClr val="accent1">
-              <a:shade val="50000"/>
-            </a:schemeClr>
-          </a:lnRef>
-          <a:fillRef idx="1">
-            <a:schemeClr val="accent1"/>
-          </a:fillRef>
-          <a:effectRef idx="0">
-            <a:schemeClr val="accent1"/>
-          </a:effectRef>
-          <a:fontRef idx="minor">
-            <a:schemeClr val="lt1"/>
-          </a:fontRef>
-        </p:style>
-        <p:txBody>
-          <a:bodyPr rtlCol="0" anchor="ctr"/>
-          <a:lstStyle/>
-          <a:p>
-            <a:pPr algn="ctr"/>
-            <a:endParaRPr lang="en-US"/>
-          </a:p>
-        </p:txBody>
-      </p:sp>
-      <p:sp>
-        <p:nvSpPr>
-          <p:cNvPr id="13" name="Rectangle: Rounded Corners 12">
-            <a:extLst>
-              <a:ext uri="{FF2B5EF4-FFF2-40B4-BE49-F238E27FC236}">
-                <a16:creationId xmlns:a16="http://schemas.microsoft.com/office/drawing/2014/main" id="{065BE774-D364-48B6-BC67-3BE522E48035}"/>
-              </a:ext>
-            </a:extLst>
-          </p:cNvPr>
-          <p:cNvSpPr/>
-          <p:nvPr/>
-        </p:nvSpPr>
-        <p:spPr>
-          <a:xfrm>
-            <a:off x="7180916" y="262467"/>
-            <a:ext cx="1148075" cy="427382"/>
-          </a:xfrm>
-          <a:prstGeom prst="roundRect">
-            <a:avLst/>
-          </a:prstGeom>
-          <a:noFill/>
-          <a:ln w="28575">
-            <a:solidFill>
-              <a:srgbClr val="C00000"/>
-            </a:solidFill>
-          </a:ln>
-        </p:spPr>
-        <p:style>
-          <a:lnRef idx="2">
-            <a:schemeClr val="accent1">
-              <a:shade val="50000"/>
-            </a:schemeClr>
-          </a:lnRef>
-          <a:fillRef idx="1">
-            <a:schemeClr val="accent1"/>
-          </a:fillRef>
-          <a:effectRef idx="0">
-            <a:schemeClr val="accent1"/>
-          </a:effectRef>
-          <a:fontRef idx="minor">
-            <a:schemeClr val="lt1"/>
-          </a:fontRef>
-        </p:style>
-        <p:txBody>
-          <a:bodyPr rtlCol="0" anchor="ctr"/>
-          <a:lstStyle/>
-          <a:p>
-            <a:pPr algn="ctr"/>
-            <a:endParaRPr lang="en-US"/>
-          </a:p>
-        </p:txBody>
-      </p:sp>
-    </p:spTree>
-    <p:custDataLst>
-      <p:tags r:id="rId1"/>
-    </p:custDataLst>
-    <p:extLst>
-      <p:ext uri="{BB962C8B-B14F-4D97-AF65-F5344CB8AC3E}">
-        <p14:creationId xmlns:p14="http://schemas.microsoft.com/office/powerpoint/2010/main" val="3349269401"/>
-      </p:ext>
-    </p:extLst>
-  </p:cSld>
-  <p:clrMapOvr>
-    <a:masterClrMapping/>
-  </p:clrMapOvr>
-</p:sld>
-</file>
-
-<file path=ppt/slides/slide20.xml><?xml version="1.0" encoding="utf-8"?>
+<file path=ppt/slides/slide19.xml><?xml version="1.0" encoding="utf-8"?>
 <p:sld xmlns:a="http://schemas.openxmlformats.org/drawingml/2006/main" xmlns:r="http://schemas.openxmlformats.org/officeDocument/2006/relationships" xmlns:p="http://schemas.openxmlformats.org/presentationml/2006/main">
   <p:cSld>
     <p:spTree>
@@ -14296,7 +13031,7 @@
 </p:sld>
 </file>
 
-<file path=ppt/slides/slide21.xml><?xml version="1.0" encoding="utf-8"?>
+<file path=ppt/slides/slide2.xml><?xml version="1.0" encoding="utf-8"?>
 <p:sld xmlns:a="http://schemas.openxmlformats.org/drawingml/2006/main" xmlns:r="http://schemas.openxmlformats.org/officeDocument/2006/relationships" xmlns:p="http://schemas.openxmlformats.org/presentationml/2006/main">
   <p:cSld>
     <p:spTree>
@@ -14313,8 +13048,256 @@
           <a:chExt cx="0" cy="0"/>
         </a:xfrm>
       </p:grpSpPr>
-      <mc:AlternateContent xmlns:mc="http://schemas.openxmlformats.org/markup-compatibility/2006">
-        <mc:Choice xmlns:a14="http://schemas.microsoft.com/office/drawing/2010/main" Requires="a14">
+      <p:sp>
+        <p:nvSpPr>
+          <p:cNvPr id="9" name="TextBox 8">
+            <a:extLst>
+              <a:ext uri="{FF2B5EF4-FFF2-40B4-BE49-F238E27FC236}">
+                <a16:creationId xmlns:a16="http://schemas.microsoft.com/office/drawing/2014/main" id="{9A8AE995-3761-4E8E-B676-D7F73B916651}"/>
+              </a:ext>
+            </a:extLst>
+          </p:cNvPr>
+          <p:cNvSpPr txBox="1"/>
+          <p:nvPr/>
+        </p:nvSpPr>
+        <p:spPr>
+          <a:xfrm>
+            <a:off x="346960" y="1024392"/>
+            <a:ext cx="11498080" cy="5262979"/>
+          </a:xfrm>
+          <a:prstGeom prst="rect">
+            <a:avLst/>
+          </a:prstGeom>
+          <a:noFill/>
+          <a:effectLst/>
+        </p:spPr>
+        <p:txBody>
+          <a:bodyPr wrap="square" rtlCol="0">
+            <a:spAutoFit/>
+          </a:bodyPr>
+          <a:lstStyle/>
+          <a:p>
+            <a:pPr marL="800100" lvl="1" indent="-342900">
+              <a:buFont typeface="Arial" panose="020B0604020202020204" pitchFamily="34" charset="0"/>
+              <a:buChar char="•"/>
+            </a:pPr>
+            <a:r>
+              <a:rPr lang="en-US" sz="2400" dirty="0">
+                <a:latin typeface="+mj-lt"/>
+                <a:cs typeface="Calibri Light" panose="020F0302020204030204" pitchFamily="34" charset="0"/>
+              </a:rPr>
+              <a:t>In general, there are two ways to record a person’s preferences.</a:t>
+            </a:r>
+          </a:p>
+          <a:p>
+            <a:pPr lvl="1"/>
+            <a:endParaRPr lang="en-US" sz="2400" dirty="0">
+              <a:latin typeface="+mj-lt"/>
+              <a:cs typeface="Calibri Light" panose="020F0302020204030204" pitchFamily="34" charset="0"/>
+            </a:endParaRPr>
+          </a:p>
+          <a:p>
+            <a:pPr marL="1257300" lvl="2" indent="-342900">
+              <a:buFont typeface="Arial" panose="020B0604020202020204" pitchFamily="34" charset="0"/>
+              <a:buChar char="•"/>
+            </a:pPr>
+            <a:r>
+              <a:rPr lang="en-US" sz="2400" dirty="0">
+                <a:latin typeface="+mj-lt"/>
+                <a:cs typeface="Calibri Light" panose="020F0302020204030204" pitchFamily="34" charset="0"/>
+              </a:rPr>
+              <a:t>So far in class we’ve learned about revealed preferences. We have talked about </a:t>
+            </a:r>
+            <a:r>
+              <a:rPr lang="en-US" sz="2400" dirty="0">
+                <a:solidFill>
+                  <a:srgbClr val="C00000"/>
+                </a:solidFill>
+                <a:latin typeface="+mj-lt"/>
+                <a:cs typeface="Calibri Light" panose="020F0302020204030204" pitchFamily="34" charset="0"/>
+              </a:rPr>
+              <a:t>the Travel Cost Model </a:t>
+            </a:r>
+            <a:r>
+              <a:rPr lang="en-US" sz="2400" dirty="0">
+                <a:latin typeface="+mj-lt"/>
+                <a:cs typeface="Calibri Light" panose="020F0302020204030204" pitchFamily="34" charset="0"/>
+              </a:rPr>
+              <a:t>where we observe people visiting a park etc., and we have talked about the </a:t>
+            </a:r>
+            <a:r>
+              <a:rPr lang="en-US" sz="2400" dirty="0">
+                <a:solidFill>
+                  <a:srgbClr val="C00000"/>
+                </a:solidFill>
+                <a:latin typeface="+mj-lt"/>
+                <a:cs typeface="Calibri Light" panose="020F0302020204030204" pitchFamily="34" charset="0"/>
+              </a:rPr>
+              <a:t>Hedonic Price Model </a:t>
+            </a:r>
+            <a:r>
+              <a:rPr lang="en-US" sz="2400" dirty="0">
+                <a:latin typeface="+mj-lt"/>
+                <a:cs typeface="Calibri Light" panose="020F0302020204030204" pitchFamily="34" charset="0"/>
+              </a:rPr>
+              <a:t>where we observe people purchasing homes or other composite goods. In both of these cases, people “reveal” their preferences through their consumption choices.</a:t>
+            </a:r>
+          </a:p>
+          <a:p>
+            <a:pPr marL="1257300" lvl="2" indent="-342900">
+              <a:buFont typeface="Arial" panose="020B0604020202020204" pitchFamily="34" charset="0"/>
+              <a:buChar char="•"/>
+            </a:pPr>
+            <a:endParaRPr lang="en-US" sz="2400" dirty="0">
+              <a:latin typeface="+mj-lt"/>
+              <a:cs typeface="Calibri Light" panose="020F0302020204030204" pitchFamily="34" charset="0"/>
+            </a:endParaRPr>
+          </a:p>
+          <a:p>
+            <a:pPr marL="1257300" lvl="2" indent="-342900">
+              <a:buFont typeface="Arial" panose="020B0604020202020204" pitchFamily="34" charset="0"/>
+              <a:buChar char="•"/>
+            </a:pPr>
+            <a:r>
+              <a:rPr lang="en-US" sz="2400" dirty="0">
+                <a:solidFill>
+                  <a:schemeClr val="bg1"/>
+                </a:solidFill>
+                <a:latin typeface="+mj-lt"/>
+                <a:cs typeface="Calibri Light" panose="020F0302020204030204" pitchFamily="34" charset="0"/>
+              </a:rPr>
+              <a:t>However, what about cases where people might have preferences for something, but it’s not possible for them to “reveal” them through conventional markets?</a:t>
+            </a:r>
+          </a:p>
+          <a:p>
+            <a:pPr lvl="2"/>
+            <a:r>
+              <a:rPr lang="en-US" sz="2400" dirty="0">
+                <a:solidFill>
+                  <a:schemeClr val="bg1"/>
+                </a:solidFill>
+                <a:latin typeface="+mj-lt"/>
+                <a:cs typeface="Calibri Light" panose="020F0302020204030204" pitchFamily="34" charset="0"/>
+              </a:rPr>
+              <a:t> </a:t>
+            </a:r>
+          </a:p>
+          <a:p>
+            <a:pPr marL="1257300" lvl="2" indent="-342900">
+              <a:buFont typeface="Arial" panose="020B0604020202020204" pitchFamily="34" charset="0"/>
+              <a:buChar char="•"/>
+            </a:pPr>
+            <a:r>
+              <a:rPr lang="en-US" sz="2400" dirty="0">
+                <a:solidFill>
+                  <a:schemeClr val="bg1"/>
+                </a:solidFill>
+                <a:latin typeface="+mj-lt"/>
+                <a:cs typeface="Calibri Light" panose="020F0302020204030204" pitchFamily="34" charset="0"/>
+              </a:rPr>
+              <a:t>By constructing a hypothetical market, researchers can observe people making decisions or “stating” what they would choose if presented the opportunity in the real world. </a:t>
+            </a:r>
+          </a:p>
+        </p:txBody>
+      </p:sp>
+      <p:sp>
+        <p:nvSpPr>
+          <p:cNvPr id="11" name="Title 2">
+            <a:extLst>
+              <a:ext uri="{FF2B5EF4-FFF2-40B4-BE49-F238E27FC236}">
+                <a16:creationId xmlns:a16="http://schemas.microsoft.com/office/drawing/2014/main" id="{462E9AFE-FCE3-4594-A4DB-141C6B7644D4}"/>
+              </a:ext>
+            </a:extLst>
+          </p:cNvPr>
+          <p:cNvSpPr txBox="1">
+            <a:spLocks/>
+          </p:cNvSpPr>
+          <p:nvPr/>
+        </p:nvSpPr>
+        <p:spPr>
+          <a:xfrm>
+            <a:off x="2398804" y="-423710"/>
+            <a:ext cx="7225748" cy="1198961"/>
+          </a:xfrm>
+          <a:prstGeom prst="rect">
+            <a:avLst/>
+          </a:prstGeom>
+        </p:spPr>
+        <p:txBody>
+          <a:bodyPr vert="horz" lIns="91440" tIns="45720" rIns="91440" bIns="45720" rtlCol="0" anchor="b">
+            <a:normAutofit/>
+          </a:bodyPr>
+          <a:lstStyle>
+            <a:lvl1pPr algn="l" defTabSz="914400" rtl="0" eaLnBrk="1" latinLnBrk="0" hangingPunct="1">
+              <a:lnSpc>
+                <a:spcPct val="85000"/>
+              </a:lnSpc>
+              <a:spcBef>
+                <a:spcPct val="0"/>
+              </a:spcBef>
+              <a:buNone/>
+              <a:defRPr sz="2400" kern="1200" spc="-50" baseline="0">
+                <a:solidFill>
+                  <a:schemeClr val="tx1">
+                    <a:lumMod val="75000"/>
+                    <a:lumOff val="25000"/>
+                  </a:schemeClr>
+                </a:solidFill>
+                <a:latin typeface="Times New Roman" panose="02020603050405020304" pitchFamily="18" charset="0"/>
+                <a:ea typeface="+mj-ea"/>
+                <a:cs typeface="Times New Roman" panose="02020603050405020304" pitchFamily="18" charset="0"/>
+              </a:defRPr>
+            </a:lvl1pPr>
+          </a:lstStyle>
+          <a:p>
+            <a:pPr algn="ctr"/>
+            <a:r>
+              <a:rPr lang="en-US" sz="4000" dirty="0">
+                <a:solidFill>
+                  <a:schemeClr val="tx1"/>
+                </a:solidFill>
+                <a:latin typeface="+mj-lt"/>
+              </a:rPr>
+              <a:t>Revealed vs. Stated Preferences</a:t>
+            </a:r>
+          </a:p>
+        </p:txBody>
+      </p:sp>
+    </p:spTree>
+    <p:custDataLst>
+      <p:tags r:id="rId1"/>
+    </p:custDataLst>
+    <p:extLst>
+      <p:ext uri="{BB962C8B-B14F-4D97-AF65-F5344CB8AC3E}">
+        <p14:creationId xmlns:p14="http://schemas.microsoft.com/office/powerpoint/2010/main" val="3176014870"/>
+      </p:ext>
+    </p:extLst>
+  </p:cSld>
+  <p:clrMapOvr>
+    <a:masterClrMapping/>
+  </p:clrMapOvr>
+</p:sld>
+</file>
+
+<file path=ppt/slides/slide20.xml><?xml version="1.0" encoding="utf-8"?>
+<p:sld xmlns:a="http://schemas.openxmlformats.org/drawingml/2006/main" xmlns:r="http://schemas.openxmlformats.org/officeDocument/2006/relationships" xmlns:p="http://schemas.openxmlformats.org/presentationml/2006/main">
+  <p:cSld>
+    <p:spTree>
+      <p:nvGrpSpPr>
+        <p:cNvPr id="1" name=""/>
+        <p:cNvGrpSpPr/>
+        <p:nvPr/>
+      </p:nvGrpSpPr>
+      <p:grpSpPr>
+        <a:xfrm>
+          <a:off x="0" y="0"/>
+          <a:ext cx="0" cy="0"/>
+          <a:chOff x="0" y="0"/>
+          <a:chExt cx="0" cy="0"/>
+        </a:xfrm>
+      </p:grpSpPr>
+      <mc:AlternateContent xmlns:mc="http://schemas.openxmlformats.org/markup-compatibility/2006" xmlns:a14="http://schemas.microsoft.com/office/drawing/2010/main">
+        <mc:Choice Requires="a14">
           <p:sp>
             <p:nvSpPr>
               <p:cNvPr id="10" name="TextBox 9">
@@ -14396,17 +13379,7 @@
                           <a:latin typeface="Cambria Math" panose="02040503050406030204" pitchFamily="18" charset="0"/>
                           <a:cs typeface="Calibri Light" panose="020F0302020204030204" pitchFamily="34" charset="0"/>
                         </a:rPr>
-                        <m:t>=</m:t>
-                      </m:r>
-                      <m:r>
-                        <a:rPr lang="en-US" sz="2400" b="0" i="1" smtClean="0">
-                          <a:solidFill>
-                            <a:schemeClr val="tx1"/>
-                          </a:solidFill>
-                          <a:latin typeface="Cambria Math" panose="02040503050406030204" pitchFamily="18" charset="0"/>
-                          <a:cs typeface="Calibri Light" panose="020F0302020204030204" pitchFamily="34" charset="0"/>
-                        </a:rPr>
-                        <m:t>−</m:t>
+                        <m:t>=−</m:t>
                       </m:r>
                       <m:sSub>
                         <m:sSubPr>
@@ -14601,7 +13574,7 @@
                       <m:sSub>
                         <m:sSubPr>
                           <m:ctrlPr>
-                            <a:rPr lang="en-US" sz="2400" b="0" i="0" smtClean="0">
+                            <a:rPr lang="en-US" sz="2400" b="0" i="1" smtClean="0">
                               <a:solidFill>
                                 <a:schemeClr val="tx1"/>
                               </a:solidFill>
@@ -15165,7 +14138,7 @@
             </p:txBody>
           </p:sp>
         </mc:Choice>
-        <mc:Fallback>
+        <mc:Fallback xmlns="">
           <p:sp>
             <p:nvSpPr>
               <p:cNvPr id="10" name="TextBox 9">
@@ -15290,7 +14263,7 @@
 </p:sld>
 </file>
 
-<file path=ppt/slides/slide22.xml><?xml version="1.0" encoding="utf-8"?>
+<file path=ppt/slides/slide21.xml><?xml version="1.0" encoding="utf-8"?>
 <p:sld xmlns:a="http://schemas.openxmlformats.org/drawingml/2006/main" xmlns:r="http://schemas.openxmlformats.org/officeDocument/2006/relationships" xmlns:p="http://schemas.openxmlformats.org/presentationml/2006/main">
   <p:cSld>
     <p:spTree>
@@ -15307,8 +14280,8 @@
           <a:chExt cx="0" cy="0"/>
         </a:xfrm>
       </p:grpSpPr>
-      <mc:AlternateContent xmlns:mc="http://schemas.openxmlformats.org/markup-compatibility/2006">
-        <mc:Choice xmlns:a14="http://schemas.microsoft.com/office/drawing/2010/main" Requires="a14">
+      <mc:AlternateContent xmlns:mc="http://schemas.openxmlformats.org/markup-compatibility/2006" xmlns:a14="http://schemas.microsoft.com/office/drawing/2010/main">
+        <mc:Choice Requires="a14">
           <p:sp>
             <p:nvSpPr>
               <p:cNvPr id="10" name="TextBox 9">
@@ -16113,7 +15086,7 @@
             </p:txBody>
           </p:sp>
         </mc:Choice>
-        <mc:Fallback>
+        <mc:Fallback xmlns="">
           <p:sp>
             <p:nvSpPr>
               <p:cNvPr id="10" name="TextBox 9">
@@ -16238,7 +15211,7 @@
 </p:sld>
 </file>
 
-<file path=ppt/slides/slide23.xml><?xml version="1.0" encoding="utf-8"?>
+<file path=ppt/slides/slide22.xml><?xml version="1.0" encoding="utf-8"?>
 <p:sld xmlns:a="http://schemas.openxmlformats.org/drawingml/2006/main" xmlns:r="http://schemas.openxmlformats.org/officeDocument/2006/relationships" xmlns:p="http://schemas.openxmlformats.org/presentationml/2006/main">
   <p:cSld>
     <p:spTree>
@@ -16364,7 +15337,7 @@
 </p:sld>
 </file>
 
-<file path=ppt/slides/slide24.xml><?xml version="1.0" encoding="utf-8"?>
+<file path=ppt/slides/slide23.xml><?xml version="1.0" encoding="utf-8"?>
 <p:sld xmlns:a="http://schemas.openxmlformats.org/drawingml/2006/main" xmlns:r="http://schemas.openxmlformats.org/officeDocument/2006/relationships" xmlns:p="http://schemas.openxmlformats.org/presentationml/2006/main">
   <p:cSld>
     <p:spTree>
@@ -16698,7 +15671,7 @@
 </p:sld>
 </file>
 
-<file path=ppt/slides/slide25.xml><?xml version="1.0" encoding="utf-8"?>
+<file path=ppt/slides/slide24.xml><?xml version="1.0" encoding="utf-8"?>
 <p:sld xmlns:a="http://schemas.openxmlformats.org/drawingml/2006/main" xmlns:r="http://schemas.openxmlformats.org/officeDocument/2006/relationships" xmlns:p="http://schemas.openxmlformats.org/presentationml/2006/main">
   <p:cSld>
     <p:spTree>
@@ -16876,7 +15849,7 @@
 </p:sld>
 </file>
 
-<file path=ppt/slides/slide26.xml><?xml version="1.0" encoding="utf-8"?>
+<file path=ppt/slides/slide25.xml><?xml version="1.0" encoding="utf-8"?>
 <p:sld xmlns:a="http://schemas.openxmlformats.org/drawingml/2006/main" xmlns:r="http://schemas.openxmlformats.org/officeDocument/2006/relationships" xmlns:p="http://schemas.openxmlformats.org/presentationml/2006/main">
   <p:cSld>
     <p:spTree>
@@ -17000,7 +15973,7 @@
 </p:sld>
 </file>
 
-<file path=ppt/slides/slide27.xml><?xml version="1.0" encoding="utf-8"?>
+<file path=ppt/slides/slide26.xml><?xml version="1.0" encoding="utf-8"?>
 <p:sld xmlns:a="http://schemas.openxmlformats.org/drawingml/2006/main" xmlns:r="http://schemas.openxmlformats.org/officeDocument/2006/relationships" xmlns:p="http://schemas.openxmlformats.org/presentationml/2006/main">
   <p:cSld>
     <p:spTree>
@@ -17449,9 +16422,6 @@
             </a:pPr>
             <a:r>
               <a:rPr lang="en-US" sz="2400" dirty="0">
-                <a:solidFill>
-                  <a:schemeClr val="bg1"/>
-                </a:solidFill>
                 <a:latin typeface="+mj-lt"/>
                 <a:cs typeface="Calibri Light" panose="020F0302020204030204" pitchFamily="34" charset="0"/>
               </a:rPr>
@@ -17462,9 +16432,6 @@
             <a:pPr lvl="2"/>
             <a:r>
               <a:rPr lang="en-US" sz="2400" dirty="0">
-                <a:solidFill>
-                  <a:schemeClr val="bg1"/>
-                </a:solidFill>
                 <a:latin typeface="+mj-lt"/>
                 <a:cs typeface="Calibri Light" panose="020F0302020204030204" pitchFamily="34" charset="0"/>
               </a:rPr>
@@ -17558,7 +16525,7 @@
     </p:custDataLst>
     <p:extLst>
       <p:ext uri="{BB962C8B-B14F-4D97-AF65-F5344CB8AC3E}">
-        <p14:creationId xmlns:p14="http://schemas.microsoft.com/office/powerpoint/2010/main" val="3176014870"/>
+        <p14:creationId xmlns:p14="http://schemas.microsoft.com/office/powerpoint/2010/main" val="3362948765"/>
       </p:ext>
     </p:extLst>
   </p:cSld>
@@ -17720,13 +16687,27 @@
             </a:pPr>
             <a:r>
               <a:rPr lang="en-US" sz="2400" dirty="0">
+                <a:latin typeface="+mj-lt"/>
+                <a:cs typeface="Calibri Light" panose="020F0302020204030204" pitchFamily="34" charset="0"/>
+              </a:rPr>
+              <a:t>By constructing a </a:t>
+            </a:r>
+            <a:r>
+              <a:rPr lang="en-US" sz="2400" dirty="0">
                 <a:solidFill>
-                  <a:schemeClr val="bg1"/>
+                  <a:srgbClr val="C00000"/>
                 </a:solidFill>
                 <a:latin typeface="+mj-lt"/>
                 <a:cs typeface="Calibri Light" panose="020F0302020204030204" pitchFamily="34" charset="0"/>
               </a:rPr>
-              <a:t>By constructing a hypothetical market, researchers can observe people making decisions or “stating” what they would choose if presented the opportunity in the real world. </a:t>
+              <a:t>hypothetical market</a:t>
+            </a:r>
+            <a:r>
+              <a:rPr lang="en-US" sz="2400" dirty="0">
+                <a:latin typeface="+mj-lt"/>
+                <a:cs typeface="Calibri Light" panose="020F0302020204030204" pitchFamily="34" charset="0"/>
+              </a:rPr>
+              <a:t>, researchers can observe people making decisions or “stating” what they would choose if presented the opportunity in the real world. </a:t>
             </a:r>
           </a:p>
         </p:txBody>
@@ -17800,7 +16781,7 @@
     </p:custDataLst>
     <p:extLst>
       <p:ext uri="{BB962C8B-B14F-4D97-AF65-F5344CB8AC3E}">
-        <p14:creationId xmlns:p14="http://schemas.microsoft.com/office/powerpoint/2010/main" val="3362948765"/>
+        <p14:creationId xmlns:p14="http://schemas.microsoft.com/office/powerpoint/2010/main" val="3255781964"/>
       </p:ext>
     </p:extLst>
   </p:cSld>
@@ -17842,7 +16823,7 @@
         <p:spPr>
           <a:xfrm>
             <a:off x="346960" y="1024392"/>
-            <a:ext cx="11498080" cy="5262979"/>
+            <a:ext cx="11498080" cy="4524315"/>
           </a:xfrm>
           <a:prstGeom prst="rect">
             <a:avLst/>
@@ -17865,18 +16846,21 @@
                 <a:latin typeface="+mj-lt"/>
                 <a:cs typeface="Calibri Light" panose="020F0302020204030204" pitchFamily="34" charset="0"/>
               </a:rPr>
-              <a:t>In general, there are two ways to record a person’s preferences.</a:t>
+              <a:t>The phrase “stated preferences” has a long history in environmental economics. </a:t>
             </a:r>
           </a:p>
           <a:p>
-            <a:pPr lvl="1"/>
+            <a:pPr marL="800100" lvl="1" indent="-342900">
+              <a:buFont typeface="Arial" panose="020B0604020202020204" pitchFamily="34" charset="0"/>
+              <a:buChar char="•"/>
+            </a:pPr>
             <a:endParaRPr lang="en-US" sz="2400" dirty="0">
               <a:latin typeface="+mj-lt"/>
               <a:cs typeface="Calibri Light" panose="020F0302020204030204" pitchFamily="34" charset="0"/>
             </a:endParaRPr>
           </a:p>
           <a:p>
-            <a:pPr marL="1257300" lvl="2" indent="-342900">
+            <a:pPr marL="800100" lvl="1" indent="-342900">
               <a:buFont typeface="Arial" panose="020B0604020202020204" pitchFamily="34" charset="0"/>
               <a:buChar char="•"/>
             </a:pPr>
@@ -17885,45 +16869,11 @@
                 <a:latin typeface="+mj-lt"/>
                 <a:cs typeface="Calibri Light" panose="020F0302020204030204" pitchFamily="34" charset="0"/>
               </a:rPr>
-              <a:t>So far in class we’ve learned about revealed preferences. We have talked about </a:t>
+              <a:t>Among other things, it is often called “contingent valuation” or “discrete choice experiments”. Regardless of what it is called, these approaches share a common theme whereby they ask a person a question.</a:t>
             </a:r>
-            <a:r>
-              <a:rPr lang="en-US" sz="2400" dirty="0">
-                <a:solidFill>
-                  <a:srgbClr val="C00000"/>
-                </a:solidFill>
-                <a:latin typeface="+mj-lt"/>
-                <a:cs typeface="Calibri Light" panose="020F0302020204030204" pitchFamily="34" charset="0"/>
-              </a:rPr>
-              <a:t>the Travel Cost Model </a:t>
-            </a:r>
-            <a:r>
-              <a:rPr lang="en-US" sz="2400" dirty="0">
-                <a:latin typeface="+mj-lt"/>
-                <a:cs typeface="Calibri Light" panose="020F0302020204030204" pitchFamily="34" charset="0"/>
-              </a:rPr>
-              <a:t>where we observe people visiting a park etc., and we have talked about the </a:t>
-            </a:r>
-            <a:r>
-              <a:rPr lang="en-US" sz="2400" dirty="0">
-                <a:solidFill>
-                  <a:srgbClr val="C00000"/>
-                </a:solidFill>
-                <a:latin typeface="+mj-lt"/>
-                <a:cs typeface="Calibri Light" panose="020F0302020204030204" pitchFamily="34" charset="0"/>
-              </a:rPr>
-              <a:t>Hedonic Price Model </a:t>
-            </a:r>
-            <a:r>
-              <a:rPr lang="en-US" sz="2400" dirty="0">
-                <a:latin typeface="+mj-lt"/>
-                <a:cs typeface="Calibri Light" panose="020F0302020204030204" pitchFamily="34" charset="0"/>
-              </a:rPr>
-              <a:t>where we observe people purchasing homes or other composite goods. In both of these cases, people “reveal” their preferences through their consumption choices.</a:t>
-            </a:r>
-          </a:p>
-          <a:p>
-            <a:pPr marL="1257300" lvl="2" indent="-342900">
+          </a:p>
+          <a:p>
+            <a:pPr marL="800100" lvl="1" indent="-342900">
               <a:buFont typeface="Arial" panose="020B0604020202020204" pitchFamily="34" charset="0"/>
               <a:buChar char="•"/>
             </a:pPr>
@@ -17933,56 +16883,161 @@
             </a:endParaRPr>
           </a:p>
           <a:p>
-            <a:pPr marL="1257300" lvl="2" indent="-342900">
+            <a:pPr marL="800100" lvl="1" indent="-342900">
               <a:buFont typeface="Arial" panose="020B0604020202020204" pitchFamily="34" charset="0"/>
               <a:buChar char="•"/>
             </a:pPr>
             <a:r>
               <a:rPr lang="en-US" sz="2400" dirty="0">
+                <a:solidFill>
+                  <a:schemeClr val="bg1"/>
+                </a:solidFill>
                 <a:latin typeface="+mj-lt"/>
                 <a:cs typeface="Calibri Light" panose="020F0302020204030204" pitchFamily="34" charset="0"/>
               </a:rPr>
-              <a:t>However, what about cases where people might have preferences for something, but it’s not possible for them to “reveal” them through conventional markets?</a:t>
+              <a:t>The approach is both widely used and widely criticized, although many past criticisms have been addressed with careful empirical design of surveys and validity tests.</a:t>
             </a:r>
           </a:p>
           <a:p>
-            <a:pPr lvl="2"/>
-            <a:r>
-              <a:rPr lang="en-US" sz="2400" dirty="0">
-                <a:latin typeface="+mj-lt"/>
-                <a:cs typeface="Calibri Light" panose="020F0302020204030204" pitchFamily="34" charset="0"/>
-              </a:rPr>
-              <a:t> </a:t>
-            </a:r>
-          </a:p>
-          <a:p>
-            <a:pPr marL="1257300" lvl="2" indent="-342900">
+            <a:pPr marL="800100" lvl="1" indent="-342900">
+              <a:buFont typeface="Arial" panose="020B0604020202020204" pitchFamily="34" charset="0"/>
+              <a:buChar char="•"/>
+            </a:pPr>
+            <a:endParaRPr lang="en-US" sz="2400" dirty="0">
+              <a:solidFill>
+                <a:schemeClr val="bg1"/>
+              </a:solidFill>
+              <a:latin typeface="+mj-lt"/>
+              <a:cs typeface="Calibri Light" panose="020F0302020204030204" pitchFamily="34" charset="0"/>
+            </a:endParaRPr>
+          </a:p>
+          <a:p>
+            <a:pPr marL="800100" lvl="1" indent="-342900">
               <a:buFont typeface="Arial" panose="020B0604020202020204" pitchFamily="34" charset="0"/>
               <a:buChar char="•"/>
             </a:pPr>
             <a:r>
               <a:rPr lang="en-US" sz="2400" dirty="0">
+                <a:solidFill>
+                  <a:schemeClr val="bg1"/>
+                </a:solidFill>
                 <a:latin typeface="+mj-lt"/>
                 <a:cs typeface="Calibri Light" panose="020F0302020204030204" pitchFamily="34" charset="0"/>
               </a:rPr>
-              <a:t>By constructing a </a:t>
+              <a:t>1989 – Exxon Valdez Oil Spill - $7.2b in damage (</a:t>
             </a:r>
             <a:r>
               <a:rPr lang="en-US" sz="2400" dirty="0">
                 <a:solidFill>
-                  <a:srgbClr val="C00000"/>
+                  <a:schemeClr val="bg1"/>
+                </a:solidFill>
+                <a:latin typeface="+mj-lt"/>
+                <a:cs typeface="Calibri Light" panose="020F0302020204030204" pitchFamily="34" charset="0"/>
+                <a:hlinkClick r:id="rId4">
+                  <a:extLst>
+                    <a:ext uri="{A12FA001-AC4F-418D-AE19-62706E023703}">
+                      <ahyp:hlinkClr xmlns:ahyp="http://schemas.microsoft.com/office/drawing/2018/hyperlinkcolor" val="tx"/>
+                    </a:ext>
+                  </a:extLst>
+                </a:hlinkClick>
+              </a:rPr>
+              <a:t>Carson et al. 1992/2003</a:t>
+            </a:r>
+            <a:r>
+              <a:rPr lang="en-US" sz="2400" dirty="0">
+                <a:solidFill>
+                  <a:schemeClr val="bg1"/>
                 </a:solidFill>
                 <a:latin typeface="+mj-lt"/>
                 <a:cs typeface="Calibri Light" panose="020F0302020204030204" pitchFamily="34" charset="0"/>
               </a:rPr>
-              <a:t>hypothetical market</a:t>
+              <a:t>)</a:t>
+            </a:r>
+          </a:p>
+          <a:p>
+            <a:pPr marL="800100" lvl="1" indent="-342900">
+              <a:buFont typeface="Arial" panose="020B0604020202020204" pitchFamily="34" charset="0"/>
+              <a:buChar char="•"/>
+            </a:pPr>
+            <a:r>
+              <a:rPr lang="en-US" sz="2400" dirty="0">
+                <a:solidFill>
+                  <a:schemeClr val="bg1"/>
+                </a:solidFill>
+                <a:latin typeface="+mj-lt"/>
+                <a:cs typeface="Calibri Light" panose="020F0302020204030204" pitchFamily="34" charset="0"/>
+              </a:rPr>
+              <a:t>1994 – </a:t>
             </a:r>
             <a:r>
               <a:rPr lang="en-US" sz="2400" dirty="0">
+                <a:solidFill>
+                  <a:schemeClr val="bg1"/>
+                </a:solidFill>
+                <a:latin typeface="+mj-lt"/>
+                <a:cs typeface="Calibri Light" panose="020F0302020204030204" pitchFamily="34" charset="0"/>
+                <a:hlinkClick r:id="rId5">
+                  <a:extLst>
+                    <a:ext uri="{A12FA001-AC4F-418D-AE19-62706E023703}">
+                      <ahyp:hlinkClr xmlns:ahyp="http://schemas.microsoft.com/office/drawing/2018/hyperlinkcolor" val="tx"/>
+                    </a:ext>
+                  </a:extLst>
+                </a:hlinkClick>
+              </a:rPr>
+              <a:t>Diamond and Hausman (1994) </a:t>
+            </a:r>
+            <a:r>
+              <a:rPr lang="en-US" sz="2400" dirty="0">
+                <a:solidFill>
+                  <a:schemeClr val="bg1"/>
+                </a:solidFill>
                 <a:latin typeface="+mj-lt"/>
                 <a:cs typeface="Calibri Light" panose="020F0302020204030204" pitchFamily="34" charset="0"/>
               </a:rPr>
-              <a:t>, researchers can observe people making decisions or “stating” what they would choose if presented the opportunity in the real world. </a:t>
+              <a:t>refute use of CV estimates </a:t>
+            </a:r>
+          </a:p>
+          <a:p>
+            <a:pPr marL="800100" lvl="1" indent="-342900">
+              <a:buFont typeface="Arial" panose="020B0604020202020204" pitchFamily="34" charset="0"/>
+              <a:buChar char="•"/>
+            </a:pPr>
+            <a:r>
+              <a:rPr lang="en-US" sz="2400" dirty="0">
+                <a:solidFill>
+                  <a:schemeClr val="bg1"/>
+                </a:solidFill>
+                <a:latin typeface="+mj-lt"/>
+                <a:cs typeface="Calibri Light" panose="020F0302020204030204" pitchFamily="34" charset="0"/>
+              </a:rPr>
+              <a:t>2010 – BP  Deepwater Horizon Oil Spill - $17.2b in damage (</a:t>
+            </a:r>
+            <a:r>
+              <a:rPr lang="en-US" sz="2400" dirty="0">
+                <a:solidFill>
+                  <a:schemeClr val="bg1"/>
+                </a:solidFill>
+                <a:latin typeface="+mj-lt"/>
+                <a:cs typeface="Calibri Light" panose="020F0302020204030204" pitchFamily="34" charset="0"/>
+                <a:hlinkClick r:id="rId6">
+                  <a:extLst>
+                    <a:ext uri="{A12FA001-AC4F-418D-AE19-62706E023703}">
+                      <ahyp:hlinkClr xmlns:ahyp="http://schemas.microsoft.com/office/drawing/2018/hyperlinkcolor" val="tx"/>
+                    </a:ext>
+                  </a:extLst>
+                </a:hlinkClick>
+              </a:rPr>
+              <a:t>Bishop et al. 2017</a:t>
+            </a:r>
+            <a:r>
+              <a:rPr lang="en-US" sz="2400" dirty="0">
+                <a:solidFill>
+                  <a:schemeClr val="bg1"/>
+                </a:solidFill>
+                <a:latin typeface="+mj-lt"/>
+                <a:cs typeface="Calibri Light" panose="020F0302020204030204" pitchFamily="34" charset="0"/>
+              </a:rPr>
+              <a:t>)</a:t>
             </a:r>
           </a:p>
         </p:txBody>
@@ -18003,8 +17058,8 @@
         </p:nvSpPr>
         <p:spPr>
           <a:xfrm>
-            <a:off x="2398804" y="-423710"/>
-            <a:ext cx="7225748" cy="1198961"/>
+            <a:off x="2166810" y="-443588"/>
+            <a:ext cx="7858379" cy="1198961"/>
           </a:xfrm>
           <a:prstGeom prst="rect">
             <a:avLst/>
@@ -18045,7 +17100,7 @@
                 </a:solidFill>
                 <a:latin typeface="+mj-lt"/>
               </a:rPr>
-              <a:t>Revealed vs. Stated Preferences</a:t>
+              <a:t>Stated Preferences by any other name</a:t>
             </a:r>
           </a:p>
         </p:txBody>
@@ -18056,7 +17111,7 @@
     </p:custDataLst>
     <p:extLst>
       <p:ext uri="{BB962C8B-B14F-4D97-AF65-F5344CB8AC3E}">
-        <p14:creationId xmlns:p14="http://schemas.microsoft.com/office/powerpoint/2010/main" val="3255781964"/>
+        <p14:creationId xmlns:p14="http://schemas.microsoft.com/office/powerpoint/2010/main" val="1954394743"/>
       </p:ext>
     </p:extLst>
   </p:cSld>
@@ -18164,9 +17219,6 @@
             </a:pPr>
             <a:r>
               <a:rPr lang="en-US" sz="2400" dirty="0">
-                <a:solidFill>
-                  <a:schemeClr val="bg1"/>
-                </a:solidFill>
                 <a:latin typeface="+mj-lt"/>
                 <a:cs typeface="Calibri Light" panose="020F0302020204030204" pitchFamily="34" charset="0"/>
               </a:rPr>
@@ -18179,9 +17231,6 @@
               <a:buChar char="•"/>
             </a:pPr>
             <a:endParaRPr lang="en-US" sz="2400" dirty="0">
-              <a:solidFill>
-                <a:schemeClr val="bg1"/>
-              </a:solidFill>
               <a:latin typeface="+mj-lt"/>
               <a:cs typeface="Calibri Light" panose="020F0302020204030204" pitchFamily="34" charset="0"/>
             </a:endParaRPr>
@@ -18386,7 +17435,7 @@
     </p:custDataLst>
     <p:extLst>
       <p:ext uri="{BB962C8B-B14F-4D97-AF65-F5344CB8AC3E}">
-        <p14:creationId xmlns:p14="http://schemas.microsoft.com/office/powerpoint/2010/main" val="1954394743"/>
+        <p14:creationId xmlns:p14="http://schemas.microsoft.com/office/powerpoint/2010/main" val="2779436418"/>
       </p:ext>
     </p:extLst>
   </p:cSld>
@@ -18517,9 +17566,6 @@
             </a:pPr>
             <a:r>
               <a:rPr lang="en-US" sz="2400" dirty="0">
-                <a:solidFill>
-                  <a:schemeClr val="bg1"/>
-                </a:solidFill>
                 <a:latin typeface="+mj-lt"/>
                 <a:cs typeface="Calibri Light" panose="020F0302020204030204" pitchFamily="34" charset="0"/>
               </a:rPr>
@@ -18527,26 +17573,14 @@
             </a:r>
             <a:r>
               <a:rPr lang="en-US" sz="2400" dirty="0">
-                <a:solidFill>
-                  <a:schemeClr val="bg1"/>
-                </a:solidFill>
                 <a:latin typeface="+mj-lt"/>
                 <a:cs typeface="Calibri Light" panose="020F0302020204030204" pitchFamily="34" charset="0"/>
-                <a:hlinkClick r:id="rId4">
-                  <a:extLst>
-                    <a:ext uri="{A12FA001-AC4F-418D-AE19-62706E023703}">
-                      <ahyp:hlinkClr xmlns:ahyp="http://schemas.microsoft.com/office/drawing/2018/hyperlinkcolor" val="tx"/>
-                    </a:ext>
-                  </a:extLst>
-                </a:hlinkClick>
+                <a:hlinkClick r:id="rId4"/>
               </a:rPr>
               <a:t>Carson et al. 1992/2003</a:t>
             </a:r>
             <a:r>
               <a:rPr lang="en-US" sz="2400" dirty="0">
-                <a:solidFill>
-                  <a:schemeClr val="bg1"/>
-                </a:solidFill>
                 <a:latin typeface="+mj-lt"/>
                 <a:cs typeface="Calibri Light" panose="020F0302020204030204" pitchFamily="34" charset="0"/>
               </a:rPr>
@@ -18560,9 +17594,6 @@
             </a:pPr>
             <a:r>
               <a:rPr lang="en-US" sz="2400" dirty="0">
-                <a:solidFill>
-                  <a:schemeClr val="bg1"/>
-                </a:solidFill>
                 <a:latin typeface="+mj-lt"/>
                 <a:cs typeface="Calibri Light" panose="020F0302020204030204" pitchFamily="34" charset="0"/>
               </a:rPr>
@@ -18570,26 +17601,14 @@
             </a:r>
             <a:r>
               <a:rPr lang="en-US" sz="2400" dirty="0">
-                <a:solidFill>
-                  <a:schemeClr val="bg1"/>
-                </a:solidFill>
                 <a:latin typeface="+mj-lt"/>
                 <a:cs typeface="Calibri Light" panose="020F0302020204030204" pitchFamily="34" charset="0"/>
-                <a:hlinkClick r:id="rId5">
-                  <a:extLst>
-                    <a:ext uri="{A12FA001-AC4F-418D-AE19-62706E023703}">
-                      <ahyp:hlinkClr xmlns:ahyp="http://schemas.microsoft.com/office/drawing/2018/hyperlinkcolor" val="tx"/>
-                    </a:ext>
-                  </a:extLst>
-                </a:hlinkClick>
+                <a:hlinkClick r:id="rId5"/>
               </a:rPr>
               <a:t>Diamond and Hausman (1994) </a:t>
             </a:r>
             <a:r>
               <a:rPr lang="en-US" sz="2400" dirty="0">
-                <a:solidFill>
-                  <a:schemeClr val="bg1"/>
-                </a:solidFill>
                 <a:latin typeface="+mj-lt"/>
                 <a:cs typeface="Calibri Light" panose="020F0302020204030204" pitchFamily="34" charset="0"/>
               </a:rPr>
@@ -18603,9 +17622,6 @@
             </a:pPr>
             <a:r>
               <a:rPr lang="en-US" sz="2400" dirty="0">
-                <a:solidFill>
-                  <a:schemeClr val="bg1"/>
-                </a:solidFill>
                 <a:latin typeface="+mj-lt"/>
                 <a:cs typeface="Calibri Light" panose="020F0302020204030204" pitchFamily="34" charset="0"/>
               </a:rPr>
@@ -18613,26 +17629,14 @@
             </a:r>
             <a:r>
               <a:rPr lang="en-US" sz="2400" dirty="0">
-                <a:solidFill>
-                  <a:schemeClr val="bg1"/>
-                </a:solidFill>
                 <a:latin typeface="+mj-lt"/>
                 <a:cs typeface="Calibri Light" panose="020F0302020204030204" pitchFamily="34" charset="0"/>
-                <a:hlinkClick r:id="rId6">
-                  <a:extLst>
-                    <a:ext uri="{A12FA001-AC4F-418D-AE19-62706E023703}">
-                      <ahyp:hlinkClr xmlns:ahyp="http://schemas.microsoft.com/office/drawing/2018/hyperlinkcolor" val="tx"/>
-                    </a:ext>
-                  </a:extLst>
-                </a:hlinkClick>
+                <a:hlinkClick r:id="rId6"/>
               </a:rPr>
               <a:t>Bishop et al. 2017</a:t>
             </a:r>
             <a:r>
               <a:rPr lang="en-US" sz="2400" dirty="0">
-                <a:solidFill>
-                  <a:schemeClr val="bg1"/>
-                </a:solidFill>
                 <a:latin typeface="+mj-lt"/>
                 <a:cs typeface="Calibri Light" panose="020F0302020204030204" pitchFamily="34" charset="0"/>
               </a:rPr>
@@ -18710,7 +17714,7 @@
     </p:custDataLst>
     <p:extLst>
       <p:ext uri="{BB962C8B-B14F-4D97-AF65-F5344CB8AC3E}">
-        <p14:creationId xmlns:p14="http://schemas.microsoft.com/office/powerpoint/2010/main" val="2779436418"/>
+        <p14:creationId xmlns:p14="http://schemas.microsoft.com/office/powerpoint/2010/main" val="1064658401"/>
       </p:ext>
     </p:extLst>
   </p:cSld>
@@ -18721,285 +17725,6 @@
 </file>
 
 <file path=ppt/slides/slide8.xml><?xml version="1.0" encoding="utf-8"?>
-<p:sld xmlns:a="http://schemas.openxmlformats.org/drawingml/2006/main" xmlns:r="http://schemas.openxmlformats.org/officeDocument/2006/relationships" xmlns:p="http://schemas.openxmlformats.org/presentationml/2006/main">
-  <p:cSld>
-    <p:spTree>
-      <p:nvGrpSpPr>
-        <p:cNvPr id="1" name=""/>
-        <p:cNvGrpSpPr/>
-        <p:nvPr/>
-      </p:nvGrpSpPr>
-      <p:grpSpPr>
-        <a:xfrm>
-          <a:off x="0" y="0"/>
-          <a:ext cx="0" cy="0"/>
-          <a:chOff x="0" y="0"/>
-          <a:chExt cx="0" cy="0"/>
-        </a:xfrm>
-      </p:grpSpPr>
-      <p:sp>
-        <p:nvSpPr>
-          <p:cNvPr id="9" name="TextBox 8">
-            <a:extLst>
-              <a:ext uri="{FF2B5EF4-FFF2-40B4-BE49-F238E27FC236}">
-                <a16:creationId xmlns:a16="http://schemas.microsoft.com/office/drawing/2014/main" id="{9A8AE995-3761-4E8E-B676-D7F73B916651}"/>
-              </a:ext>
-            </a:extLst>
-          </p:cNvPr>
-          <p:cNvSpPr txBox="1"/>
-          <p:nvPr/>
-        </p:nvSpPr>
-        <p:spPr>
-          <a:xfrm>
-            <a:off x="346960" y="1024392"/>
-            <a:ext cx="11498080" cy="4524315"/>
-          </a:xfrm>
-          <a:prstGeom prst="rect">
-            <a:avLst/>
-          </a:prstGeom>
-          <a:noFill/>
-          <a:effectLst/>
-        </p:spPr>
-        <p:txBody>
-          <a:bodyPr wrap="square" rtlCol="0">
-            <a:spAutoFit/>
-          </a:bodyPr>
-          <a:lstStyle/>
-          <a:p>
-            <a:pPr marL="800100" lvl="1" indent="-342900">
-              <a:buFont typeface="Arial" panose="020B0604020202020204" pitchFamily="34" charset="0"/>
-              <a:buChar char="•"/>
-            </a:pPr>
-            <a:r>
-              <a:rPr lang="en-US" sz="2400" dirty="0">
-                <a:latin typeface="+mj-lt"/>
-                <a:cs typeface="Calibri Light" panose="020F0302020204030204" pitchFamily="34" charset="0"/>
-              </a:rPr>
-              <a:t>The phrase “stated preferences” has a long history in environmental economics. </a:t>
-            </a:r>
-          </a:p>
-          <a:p>
-            <a:pPr marL="800100" lvl="1" indent="-342900">
-              <a:buFont typeface="Arial" panose="020B0604020202020204" pitchFamily="34" charset="0"/>
-              <a:buChar char="•"/>
-            </a:pPr>
-            <a:endParaRPr lang="en-US" sz="2400" dirty="0">
-              <a:latin typeface="+mj-lt"/>
-              <a:cs typeface="Calibri Light" panose="020F0302020204030204" pitchFamily="34" charset="0"/>
-            </a:endParaRPr>
-          </a:p>
-          <a:p>
-            <a:pPr marL="800100" lvl="1" indent="-342900">
-              <a:buFont typeface="Arial" panose="020B0604020202020204" pitchFamily="34" charset="0"/>
-              <a:buChar char="•"/>
-            </a:pPr>
-            <a:r>
-              <a:rPr lang="en-US" sz="2400" dirty="0">
-                <a:latin typeface="+mj-lt"/>
-                <a:cs typeface="Calibri Light" panose="020F0302020204030204" pitchFamily="34" charset="0"/>
-              </a:rPr>
-              <a:t>Among other things, it is often called “contingent valuation” or “discrete choice experiments”. Regardless of what it is called, these approaches share a common theme whereby they ask a person a question.</a:t>
-            </a:r>
-          </a:p>
-          <a:p>
-            <a:pPr marL="800100" lvl="1" indent="-342900">
-              <a:buFont typeface="Arial" panose="020B0604020202020204" pitchFamily="34" charset="0"/>
-              <a:buChar char="•"/>
-            </a:pPr>
-            <a:endParaRPr lang="en-US" sz="2400" dirty="0">
-              <a:latin typeface="+mj-lt"/>
-              <a:cs typeface="Calibri Light" panose="020F0302020204030204" pitchFamily="34" charset="0"/>
-            </a:endParaRPr>
-          </a:p>
-          <a:p>
-            <a:pPr marL="800100" lvl="1" indent="-342900">
-              <a:buFont typeface="Arial" panose="020B0604020202020204" pitchFamily="34" charset="0"/>
-              <a:buChar char="•"/>
-            </a:pPr>
-            <a:r>
-              <a:rPr lang="en-US" sz="2400" dirty="0">
-                <a:latin typeface="+mj-lt"/>
-                <a:cs typeface="Calibri Light" panose="020F0302020204030204" pitchFamily="34" charset="0"/>
-              </a:rPr>
-              <a:t>The approach is both widely used and widely criticized, although many past criticisms have been addressed with careful empirical design of surveys and validity tests.</a:t>
-            </a:r>
-          </a:p>
-          <a:p>
-            <a:pPr marL="800100" lvl="1" indent="-342900">
-              <a:buFont typeface="Arial" panose="020B0604020202020204" pitchFamily="34" charset="0"/>
-              <a:buChar char="•"/>
-            </a:pPr>
-            <a:endParaRPr lang="en-US" sz="2400" dirty="0">
-              <a:latin typeface="+mj-lt"/>
-              <a:cs typeface="Calibri Light" panose="020F0302020204030204" pitchFamily="34" charset="0"/>
-            </a:endParaRPr>
-          </a:p>
-          <a:p>
-            <a:pPr marL="800100" lvl="1" indent="-342900">
-              <a:buFont typeface="Arial" panose="020B0604020202020204" pitchFamily="34" charset="0"/>
-              <a:buChar char="•"/>
-            </a:pPr>
-            <a:r>
-              <a:rPr lang="en-US" sz="2400" dirty="0">
-                <a:latin typeface="+mj-lt"/>
-                <a:cs typeface="Calibri Light" panose="020F0302020204030204" pitchFamily="34" charset="0"/>
-              </a:rPr>
-              <a:t>1989 – Exxon Valdez Oil Spill - $7.2b in damage (</a:t>
-            </a:r>
-            <a:r>
-              <a:rPr lang="en-US" sz="2400" dirty="0">
-                <a:latin typeface="+mj-lt"/>
-                <a:cs typeface="Calibri Light" panose="020F0302020204030204" pitchFamily="34" charset="0"/>
-                <a:hlinkClick r:id="rId4"/>
-              </a:rPr>
-              <a:t>Carson et al. 1992/2003</a:t>
-            </a:r>
-            <a:r>
-              <a:rPr lang="en-US" sz="2400" dirty="0">
-                <a:latin typeface="+mj-lt"/>
-                <a:cs typeface="Calibri Light" panose="020F0302020204030204" pitchFamily="34" charset="0"/>
-              </a:rPr>
-              <a:t>)</a:t>
-            </a:r>
-          </a:p>
-          <a:p>
-            <a:pPr marL="800100" lvl="1" indent="-342900">
-              <a:buFont typeface="Arial" panose="020B0604020202020204" pitchFamily="34" charset="0"/>
-              <a:buChar char="•"/>
-            </a:pPr>
-            <a:r>
-              <a:rPr lang="en-US" sz="2400" dirty="0">
-                <a:latin typeface="+mj-lt"/>
-                <a:cs typeface="Calibri Light" panose="020F0302020204030204" pitchFamily="34" charset="0"/>
-              </a:rPr>
-              <a:t>1994 – </a:t>
-            </a:r>
-            <a:r>
-              <a:rPr lang="en-US" sz="2400" dirty="0">
-                <a:latin typeface="+mj-lt"/>
-                <a:cs typeface="Calibri Light" panose="020F0302020204030204" pitchFamily="34" charset="0"/>
-                <a:hlinkClick r:id="rId5"/>
-              </a:rPr>
-              <a:t>Diamond and Hausman (1994) </a:t>
-            </a:r>
-            <a:r>
-              <a:rPr lang="en-US" sz="2400" dirty="0">
-                <a:latin typeface="+mj-lt"/>
-                <a:cs typeface="Calibri Light" panose="020F0302020204030204" pitchFamily="34" charset="0"/>
-              </a:rPr>
-              <a:t>refute use of CV estimates </a:t>
-            </a:r>
-          </a:p>
-          <a:p>
-            <a:pPr marL="800100" lvl="1" indent="-342900">
-              <a:buFont typeface="Arial" panose="020B0604020202020204" pitchFamily="34" charset="0"/>
-              <a:buChar char="•"/>
-            </a:pPr>
-            <a:r>
-              <a:rPr lang="en-US" sz="2400" dirty="0">
-                <a:latin typeface="+mj-lt"/>
-                <a:cs typeface="Calibri Light" panose="020F0302020204030204" pitchFamily="34" charset="0"/>
-              </a:rPr>
-              <a:t>2010 – BP  Deepwater Horizon Oil Spill - $17.2b in damage (</a:t>
-            </a:r>
-            <a:r>
-              <a:rPr lang="en-US" sz="2400" dirty="0">
-                <a:latin typeface="+mj-lt"/>
-                <a:cs typeface="Calibri Light" panose="020F0302020204030204" pitchFamily="34" charset="0"/>
-                <a:hlinkClick r:id="rId6"/>
-              </a:rPr>
-              <a:t>Bishop et al. 2017</a:t>
-            </a:r>
-            <a:r>
-              <a:rPr lang="en-US" sz="2400" dirty="0">
-                <a:latin typeface="+mj-lt"/>
-                <a:cs typeface="Calibri Light" panose="020F0302020204030204" pitchFamily="34" charset="0"/>
-              </a:rPr>
-              <a:t>)</a:t>
-            </a:r>
-          </a:p>
-        </p:txBody>
-      </p:sp>
-      <p:sp>
-        <p:nvSpPr>
-          <p:cNvPr id="11" name="Title 2">
-            <a:extLst>
-              <a:ext uri="{FF2B5EF4-FFF2-40B4-BE49-F238E27FC236}">
-                <a16:creationId xmlns:a16="http://schemas.microsoft.com/office/drawing/2014/main" id="{462E9AFE-FCE3-4594-A4DB-141C6B7644D4}"/>
-              </a:ext>
-            </a:extLst>
-          </p:cNvPr>
-          <p:cNvSpPr txBox="1">
-            <a:spLocks/>
-          </p:cNvSpPr>
-          <p:nvPr/>
-        </p:nvSpPr>
-        <p:spPr>
-          <a:xfrm>
-            <a:off x="2166810" y="-443588"/>
-            <a:ext cx="7858379" cy="1198961"/>
-          </a:xfrm>
-          <a:prstGeom prst="rect">
-            <a:avLst/>
-          </a:prstGeom>
-        </p:spPr>
-        <p:txBody>
-          <a:bodyPr vert="horz" lIns="91440" tIns="45720" rIns="91440" bIns="45720" rtlCol="0" anchor="b">
-            <a:normAutofit/>
-          </a:bodyPr>
-          <a:lstStyle>
-            <a:lvl1pPr algn="l" defTabSz="914400" rtl="0" eaLnBrk="1" latinLnBrk="0" hangingPunct="1">
-              <a:lnSpc>
-                <a:spcPct val="85000"/>
-              </a:lnSpc>
-              <a:spcBef>
-                <a:spcPct val="0"/>
-              </a:spcBef>
-              <a:buNone/>
-              <a:defRPr sz="2400" kern="1200" spc="-50" baseline="0">
-                <a:solidFill>
-                  <a:schemeClr val="tx1">
-                    <a:lumMod val="75000"/>
-                    <a:lumOff val="25000"/>
-                  </a:schemeClr>
-                </a:solidFill>
-                <a:latin typeface="Times New Roman" panose="02020603050405020304" pitchFamily="18" charset="0"/>
-                <a:ea typeface="+mj-ea"/>
-                <a:cs typeface="Times New Roman" panose="02020603050405020304" pitchFamily="18" charset="0"/>
-              </a:defRPr>
-            </a:lvl1pPr>
-          </a:lstStyle>
-          <a:p>
-            <a:pPr algn="ctr"/>
-            <a:r>
-              <a:rPr lang="en-US" sz="4000" dirty="0">
-                <a:solidFill>
-                  <a:schemeClr val="tx1"/>
-                </a:solidFill>
-                <a:latin typeface="+mj-lt"/>
-              </a:rPr>
-              <a:t>Stated Preferences by any other name</a:t>
-            </a:r>
-          </a:p>
-        </p:txBody>
-      </p:sp>
-    </p:spTree>
-    <p:custDataLst>
-      <p:tags r:id="rId1"/>
-    </p:custDataLst>
-    <p:extLst>
-      <p:ext uri="{BB962C8B-B14F-4D97-AF65-F5344CB8AC3E}">
-        <p14:creationId xmlns:p14="http://schemas.microsoft.com/office/powerpoint/2010/main" val="1064658401"/>
-      </p:ext>
-    </p:extLst>
-  </p:cSld>
-  <p:clrMapOvr>
-    <a:masterClrMapping/>
-  </p:clrMapOvr>
-</p:sld>
-</file>
-
-<file path=ppt/slides/slide9.xml><?xml version="1.0" encoding="utf-8"?>
 <p:sld xmlns:a="http://schemas.openxmlformats.org/drawingml/2006/main" xmlns:r="http://schemas.openxmlformats.org/officeDocument/2006/relationships" xmlns:p="http://schemas.openxmlformats.org/presentationml/2006/main">
   <p:cSld>
     <p:spTree>
@@ -19330,6 +18055,184 @@
 </p:sld>
 </file>
 
+<file path=ppt/slides/slide9.xml><?xml version="1.0" encoding="utf-8"?>
+<p:sld xmlns:a="http://schemas.openxmlformats.org/drawingml/2006/main" xmlns:r="http://schemas.openxmlformats.org/officeDocument/2006/relationships" xmlns:p="http://schemas.openxmlformats.org/presentationml/2006/main">
+  <p:cSld>
+    <p:spTree>
+      <p:nvGrpSpPr>
+        <p:cNvPr id="1" name=""/>
+        <p:cNvGrpSpPr/>
+        <p:nvPr/>
+      </p:nvGrpSpPr>
+      <p:grpSpPr>
+        <a:xfrm>
+          <a:off x="0" y="0"/>
+          <a:ext cx="0" cy="0"/>
+          <a:chOff x="0" y="0"/>
+          <a:chExt cx="0" cy="0"/>
+        </a:xfrm>
+      </p:grpSpPr>
+      <p:sp>
+        <p:nvSpPr>
+          <p:cNvPr id="10" name="TextBox 9">
+            <a:extLst>
+              <a:ext uri="{FF2B5EF4-FFF2-40B4-BE49-F238E27FC236}">
+                <a16:creationId xmlns:a16="http://schemas.microsoft.com/office/drawing/2014/main" id="{E863E88C-22ED-47CC-B17C-6B97A3611646}"/>
+              </a:ext>
+            </a:extLst>
+          </p:cNvPr>
+          <p:cNvSpPr txBox="1"/>
+          <p:nvPr/>
+        </p:nvSpPr>
+        <p:spPr>
+          <a:xfrm>
+            <a:off x="591340" y="2043784"/>
+            <a:ext cx="11009309" cy="3046988"/>
+          </a:xfrm>
+          <a:prstGeom prst="rect">
+            <a:avLst/>
+          </a:prstGeom>
+          <a:noFill/>
+          <a:effectLst/>
+        </p:spPr>
+        <p:txBody>
+          <a:bodyPr wrap="square" rtlCol="0">
+            <a:spAutoFit/>
+          </a:bodyPr>
+          <a:lstStyle/>
+          <a:p>
+            <a:pPr lvl="1"/>
+            <a:r>
+              <a:rPr lang="en-US" sz="2400" dirty="0">
+                <a:latin typeface="+mj-lt"/>
+              </a:rPr>
+              <a:t>Abstract: Improvements in local surface water quality in the Mississippi River Basin (MRB) can contribute to the regional environmental goals of reducing hypoxia in the Gulf of Mexico. To inform estimates of the benefits of water quality policy, we use a choice experiment survey in a typical sub-watershed of the MRB to estimate willingness to pay for local environmental improvements and helping to reduce hypoxia far downstream. We find that residents place large values on reduced local algal blooms, improved local fish populations and diversity, and meeting local commitments to help with the regional environmental problem.</a:t>
+            </a:r>
+            <a:endParaRPr lang="en-US" sz="2400" b="1" dirty="0">
+              <a:latin typeface="+mj-lt"/>
+              <a:cs typeface="Calibri Light" panose="020F0302020204030204" pitchFamily="34" charset="0"/>
+            </a:endParaRPr>
+          </a:p>
+        </p:txBody>
+      </p:sp>
+      <p:sp>
+        <p:nvSpPr>
+          <p:cNvPr id="6" name="Title 2">
+            <a:extLst>
+              <a:ext uri="{FF2B5EF4-FFF2-40B4-BE49-F238E27FC236}">
+                <a16:creationId xmlns:a16="http://schemas.microsoft.com/office/drawing/2014/main" id="{62886FA5-F147-476F-962C-F8F29C058435}"/>
+              </a:ext>
+            </a:extLst>
+          </p:cNvPr>
+          <p:cNvSpPr txBox="1">
+            <a:spLocks/>
+          </p:cNvSpPr>
+          <p:nvPr/>
+        </p:nvSpPr>
+        <p:spPr>
+          <a:xfrm>
+            <a:off x="768585" y="438753"/>
+            <a:ext cx="10654818" cy="749508"/>
+          </a:xfrm>
+          <a:prstGeom prst="rect">
+            <a:avLst/>
+          </a:prstGeom>
+        </p:spPr>
+        <p:txBody>
+          <a:bodyPr vert="horz" lIns="91440" tIns="45720" rIns="91440" bIns="45720" rtlCol="0" anchor="b">
+            <a:noAutofit/>
+          </a:bodyPr>
+          <a:lstStyle>
+            <a:lvl1pPr algn="l" defTabSz="914400" rtl="0" eaLnBrk="1" latinLnBrk="0" hangingPunct="1">
+              <a:lnSpc>
+                <a:spcPct val="85000"/>
+              </a:lnSpc>
+              <a:spcBef>
+                <a:spcPct val="0"/>
+              </a:spcBef>
+              <a:buNone/>
+              <a:defRPr sz="2400" kern="1200" spc="-50" baseline="0">
+                <a:solidFill>
+                  <a:schemeClr val="tx1">
+                    <a:lumMod val="75000"/>
+                    <a:lumOff val="25000"/>
+                  </a:schemeClr>
+                </a:solidFill>
+                <a:latin typeface="Times New Roman" panose="02020603050405020304" pitchFamily="18" charset="0"/>
+                <a:ea typeface="+mj-ea"/>
+                <a:cs typeface="Times New Roman" panose="02020603050405020304" pitchFamily="18" charset="0"/>
+              </a:defRPr>
+            </a:lvl1pPr>
+          </a:lstStyle>
+          <a:p>
+            <a:pPr algn="ctr">
+              <a:lnSpc>
+                <a:spcPct val="100000"/>
+              </a:lnSpc>
+            </a:pPr>
+            <a:r>
+              <a:rPr lang="en-US" dirty="0">
+                <a:solidFill>
+                  <a:schemeClr val="tx1"/>
+                </a:solidFill>
+                <a:latin typeface="+mj-lt"/>
+              </a:rPr>
+              <a:t>Overlooked Benefits of Nutrient Reductions in the Mississippi River Basin (</a:t>
+            </a:r>
+            <a:r>
+              <a:rPr lang="en-US" dirty="0">
+                <a:solidFill>
+                  <a:schemeClr val="tx1"/>
+                </a:solidFill>
+                <a:latin typeface="+mj-lt"/>
+                <a:hlinkClick r:id="rId4"/>
+              </a:rPr>
+              <a:t>here</a:t>
+            </a:r>
+            <a:r>
+              <a:rPr lang="en-US" dirty="0">
+                <a:solidFill>
+                  <a:schemeClr val="tx1"/>
+                </a:solidFill>
+                <a:latin typeface="+mj-lt"/>
+              </a:rPr>
+              <a:t>)</a:t>
+            </a:r>
+          </a:p>
+          <a:p>
+            <a:pPr algn="ctr">
+              <a:lnSpc>
+                <a:spcPct val="100000"/>
+              </a:lnSpc>
+            </a:pPr>
+            <a:r>
+              <a:rPr lang="en-US" dirty="0">
+                <a:solidFill>
+                  <a:schemeClr val="tx1"/>
+                </a:solidFill>
+                <a:latin typeface="+mj-lt"/>
+              </a:rPr>
+              <a:t>By: Parthum and Ando (2020)</a:t>
+            </a:r>
+          </a:p>
+        </p:txBody>
+      </p:sp>
+    </p:spTree>
+    <p:custDataLst>
+      <p:tags r:id="rId1"/>
+    </p:custDataLst>
+    <p:extLst>
+      <p:ext uri="{BB962C8B-B14F-4D97-AF65-F5344CB8AC3E}">
+        <p14:creationId xmlns:p14="http://schemas.microsoft.com/office/powerpoint/2010/main" val="1108367847"/>
+      </p:ext>
+    </p:extLst>
+  </p:cSld>
+  <p:clrMapOvr>
+    <a:masterClrMapping/>
+  </p:clrMapOvr>
+</p:sld>
+</file>
+
 <file path=ppt/tags/tag1.xml><?xml version="1.0" encoding="utf-8"?>
 <p:tagLst xmlns:a="http://schemas.openxmlformats.org/drawingml/2006/main" xmlns:r="http://schemas.openxmlformats.org/officeDocument/2006/relationships" xmlns:p="http://schemas.openxmlformats.org/presentationml/2006/main">
   <p:tag name="TIMING" val="|58|1.1|0.3|0.6|0.1|0.1|0.1|0.5|0.9|3.3"/>
@@ -19433,12 +18336,6 @@
 </file>
 
 <file path=ppt/tags/tag25.xml><?xml version="1.0" encoding="utf-8"?>
-<p:tagLst xmlns:a="http://schemas.openxmlformats.org/drawingml/2006/main" xmlns:r="http://schemas.openxmlformats.org/officeDocument/2006/relationships" xmlns:p="http://schemas.openxmlformats.org/presentationml/2006/main">
-  <p:tag name="TIMING" val="|58|1.1|0.3|0.6|0.1|0.1|0.1|0.5|0.9|3.3"/>
-</p:tagLst>
-</file>
-
-<file path=ppt/tags/tag26.xml><?xml version="1.0" encoding="utf-8"?>
 <p:tagLst xmlns:a="http://schemas.openxmlformats.org/drawingml/2006/main" xmlns:r="http://schemas.openxmlformats.org/officeDocument/2006/relationships" xmlns:p="http://schemas.openxmlformats.org/presentationml/2006/main">
   <p:tag name="TIMING" val="|58|1.1|0.3|0.6|0.1|0.1|0.1|0.5|0.9|3.3"/>
 </p:tagLst>
